--- a/Bemutató1.pptx
+++ b/Bemutató1.pptx
@@ -104,6 +104,11 @@
       </a:defRPr>
     </a:lvl9pPr>
   </p:defaultTextStyle>
+  <p:extLst>
+    <p:ext uri="{EFAFB233-063F-42B5-8137-9DF3F51BA10A}">
+      <p15:sldGuideLst xmlns:p15="http://schemas.microsoft.com/office/powerpoint/2012/main"/>
+    </p:ext>
+  </p:extLst>
 </p:presentation>
 </file>
 
@@ -256,7 +261,7 @@
               <a:rPr lang="hu-HU" smtClean="0"/>
               <a:t>2025. 10. 07.</a:t>
             </a:fld>
-            <a:endParaRPr lang="hu-HU"/>
+            <a:endParaRPr lang="hu-HU" dirty="0"/>
           </a:p>
         </p:txBody>
       </p:sp>
@@ -281,7 +286,7 @@
           <a:bodyPr/>
           <a:lstStyle/>
           <a:p>
-            <a:endParaRPr lang="hu-HU"/>
+            <a:endParaRPr lang="hu-HU" dirty="0"/>
           </a:p>
         </p:txBody>
       </p:sp>
@@ -310,7 +315,7 @@
               <a:rPr lang="hu-HU" smtClean="0"/>
               <a:t>‹#›</a:t>
             </a:fld>
-            <a:endParaRPr lang="hu-HU"/>
+            <a:endParaRPr lang="hu-HU" dirty="0"/>
           </a:p>
         </p:txBody>
       </p:sp>
@@ -454,7 +459,7 @@
               <a:rPr lang="hu-HU" smtClean="0"/>
               <a:t>2025. 10. 07.</a:t>
             </a:fld>
-            <a:endParaRPr lang="hu-HU"/>
+            <a:endParaRPr lang="hu-HU" dirty="0"/>
           </a:p>
         </p:txBody>
       </p:sp>
@@ -479,7 +484,7 @@
           <a:bodyPr/>
           <a:lstStyle/>
           <a:p>
-            <a:endParaRPr lang="hu-HU"/>
+            <a:endParaRPr lang="hu-HU" dirty="0"/>
           </a:p>
         </p:txBody>
       </p:sp>
@@ -508,7 +513,7 @@
               <a:rPr lang="hu-HU" smtClean="0"/>
               <a:t>‹#›</a:t>
             </a:fld>
-            <a:endParaRPr lang="hu-HU"/>
+            <a:endParaRPr lang="hu-HU" dirty="0"/>
           </a:p>
         </p:txBody>
       </p:sp>
@@ -662,7 +667,7 @@
               <a:rPr lang="hu-HU" smtClean="0"/>
               <a:t>2025. 10. 07.</a:t>
             </a:fld>
-            <a:endParaRPr lang="hu-HU"/>
+            <a:endParaRPr lang="hu-HU" dirty="0"/>
           </a:p>
         </p:txBody>
       </p:sp>
@@ -687,7 +692,7 @@
           <a:bodyPr/>
           <a:lstStyle/>
           <a:p>
-            <a:endParaRPr lang="hu-HU"/>
+            <a:endParaRPr lang="hu-HU" dirty="0"/>
           </a:p>
         </p:txBody>
       </p:sp>
@@ -716,7 +721,7 @@
               <a:rPr lang="hu-HU" smtClean="0"/>
               <a:t>‹#›</a:t>
             </a:fld>
-            <a:endParaRPr lang="hu-HU"/>
+            <a:endParaRPr lang="hu-HU" dirty="0"/>
           </a:p>
         </p:txBody>
       </p:sp>
@@ -860,7 +865,7 @@
               <a:rPr lang="hu-HU" smtClean="0"/>
               <a:t>2025. 10. 07.</a:t>
             </a:fld>
-            <a:endParaRPr lang="hu-HU"/>
+            <a:endParaRPr lang="hu-HU" dirty="0"/>
           </a:p>
         </p:txBody>
       </p:sp>
@@ -885,7 +890,7 @@
           <a:bodyPr/>
           <a:lstStyle/>
           <a:p>
-            <a:endParaRPr lang="hu-HU"/>
+            <a:endParaRPr lang="hu-HU" dirty="0"/>
           </a:p>
         </p:txBody>
       </p:sp>
@@ -914,7 +919,7 @@
               <a:rPr lang="hu-HU" smtClean="0"/>
               <a:t>‹#›</a:t>
             </a:fld>
-            <a:endParaRPr lang="hu-HU"/>
+            <a:endParaRPr lang="hu-HU" dirty="0"/>
           </a:p>
         </p:txBody>
       </p:sp>
@@ -1135,7 +1140,7 @@
               <a:rPr lang="hu-HU" smtClean="0"/>
               <a:t>2025. 10. 07.</a:t>
             </a:fld>
-            <a:endParaRPr lang="hu-HU"/>
+            <a:endParaRPr lang="hu-HU" dirty="0"/>
           </a:p>
         </p:txBody>
       </p:sp>
@@ -1160,7 +1165,7 @@
           <a:bodyPr/>
           <a:lstStyle/>
           <a:p>
-            <a:endParaRPr lang="hu-HU"/>
+            <a:endParaRPr lang="hu-HU" dirty="0"/>
           </a:p>
         </p:txBody>
       </p:sp>
@@ -1189,7 +1194,7 @@
               <a:rPr lang="hu-HU" smtClean="0"/>
               <a:t>‹#›</a:t>
             </a:fld>
-            <a:endParaRPr lang="hu-HU"/>
+            <a:endParaRPr lang="hu-HU" dirty="0"/>
           </a:p>
         </p:txBody>
       </p:sp>
@@ -1400,7 +1405,7 @@
               <a:rPr lang="hu-HU" smtClean="0"/>
               <a:t>2025. 10. 07.</a:t>
             </a:fld>
-            <a:endParaRPr lang="hu-HU"/>
+            <a:endParaRPr lang="hu-HU" dirty="0"/>
           </a:p>
         </p:txBody>
       </p:sp>
@@ -1425,7 +1430,7 @@
           <a:bodyPr/>
           <a:lstStyle/>
           <a:p>
-            <a:endParaRPr lang="hu-HU"/>
+            <a:endParaRPr lang="hu-HU" dirty="0"/>
           </a:p>
         </p:txBody>
       </p:sp>
@@ -1454,7 +1459,7 @@
               <a:rPr lang="hu-HU" smtClean="0"/>
               <a:t>‹#›</a:t>
             </a:fld>
-            <a:endParaRPr lang="hu-HU"/>
+            <a:endParaRPr lang="hu-HU" dirty="0"/>
           </a:p>
         </p:txBody>
       </p:sp>
@@ -1812,7 +1817,7 @@
               <a:rPr lang="hu-HU" smtClean="0"/>
               <a:t>2025. 10. 07.</a:t>
             </a:fld>
-            <a:endParaRPr lang="hu-HU"/>
+            <a:endParaRPr lang="hu-HU" dirty="0"/>
           </a:p>
         </p:txBody>
       </p:sp>
@@ -1837,7 +1842,7 @@
           <a:bodyPr/>
           <a:lstStyle/>
           <a:p>
-            <a:endParaRPr lang="hu-HU"/>
+            <a:endParaRPr lang="hu-HU" dirty="0"/>
           </a:p>
         </p:txBody>
       </p:sp>
@@ -1866,7 +1871,7 @@
               <a:rPr lang="hu-HU" smtClean="0"/>
               <a:t>‹#›</a:t>
             </a:fld>
-            <a:endParaRPr lang="hu-HU"/>
+            <a:endParaRPr lang="hu-HU" dirty="0"/>
           </a:p>
         </p:txBody>
       </p:sp>
@@ -1953,7 +1958,7 @@
               <a:rPr lang="hu-HU" smtClean="0"/>
               <a:t>2025. 10. 07.</a:t>
             </a:fld>
-            <a:endParaRPr lang="hu-HU"/>
+            <a:endParaRPr lang="hu-HU" dirty="0"/>
           </a:p>
         </p:txBody>
       </p:sp>
@@ -1978,7 +1983,7 @@
           <a:bodyPr/>
           <a:lstStyle/>
           <a:p>
-            <a:endParaRPr lang="hu-HU"/>
+            <a:endParaRPr lang="hu-HU" dirty="0"/>
           </a:p>
         </p:txBody>
       </p:sp>
@@ -2007,7 +2012,7 @@
               <a:rPr lang="hu-HU" smtClean="0"/>
               <a:t>‹#›</a:t>
             </a:fld>
-            <a:endParaRPr lang="hu-HU"/>
+            <a:endParaRPr lang="hu-HU" dirty="0"/>
           </a:p>
         </p:txBody>
       </p:sp>
@@ -2066,7 +2071,7 @@
               <a:rPr lang="hu-HU" smtClean="0"/>
               <a:t>2025. 10. 07.</a:t>
             </a:fld>
-            <a:endParaRPr lang="hu-HU"/>
+            <a:endParaRPr lang="hu-HU" dirty="0"/>
           </a:p>
         </p:txBody>
       </p:sp>
@@ -2091,7 +2096,7 @@
           <a:bodyPr/>
           <a:lstStyle/>
           <a:p>
-            <a:endParaRPr lang="hu-HU"/>
+            <a:endParaRPr lang="hu-HU" dirty="0"/>
           </a:p>
         </p:txBody>
       </p:sp>
@@ -2120,7 +2125,7 @@
               <a:rPr lang="hu-HU" smtClean="0"/>
               <a:t>‹#›</a:t>
             </a:fld>
-            <a:endParaRPr lang="hu-HU"/>
+            <a:endParaRPr lang="hu-HU" dirty="0"/>
           </a:p>
         </p:txBody>
       </p:sp>
@@ -2377,7 +2382,7 @@
               <a:rPr lang="hu-HU" smtClean="0"/>
               <a:t>2025. 10. 07.</a:t>
             </a:fld>
-            <a:endParaRPr lang="hu-HU"/>
+            <a:endParaRPr lang="hu-HU" dirty="0"/>
           </a:p>
         </p:txBody>
       </p:sp>
@@ -2402,7 +2407,7 @@
           <a:bodyPr/>
           <a:lstStyle/>
           <a:p>
-            <a:endParaRPr lang="hu-HU"/>
+            <a:endParaRPr lang="hu-HU" dirty="0"/>
           </a:p>
         </p:txBody>
       </p:sp>
@@ -2431,7 +2436,7 @@
               <a:rPr lang="hu-HU" smtClean="0"/>
               <a:t>‹#›</a:t>
             </a:fld>
-            <a:endParaRPr lang="hu-HU"/>
+            <a:endParaRPr lang="hu-HU" dirty="0"/>
           </a:p>
         </p:txBody>
       </p:sp>
@@ -2565,7 +2570,7 @@
             </a:lvl9pPr>
           </a:lstStyle>
           <a:p>
-            <a:endParaRPr lang="hu-HU"/>
+            <a:endParaRPr lang="hu-HU" dirty="0"/>
           </a:p>
         </p:txBody>
       </p:sp>
@@ -2665,7 +2670,7 @@
               <a:rPr lang="hu-HU" smtClean="0"/>
               <a:t>2025. 10. 07.</a:t>
             </a:fld>
-            <a:endParaRPr lang="hu-HU"/>
+            <a:endParaRPr lang="hu-HU" dirty="0"/>
           </a:p>
         </p:txBody>
       </p:sp>
@@ -2690,7 +2695,7 @@
           <a:bodyPr/>
           <a:lstStyle/>
           <a:p>
-            <a:endParaRPr lang="hu-HU"/>
+            <a:endParaRPr lang="hu-HU" dirty="0"/>
           </a:p>
         </p:txBody>
       </p:sp>
@@ -2719,7 +2724,7 @@
               <a:rPr lang="hu-HU" smtClean="0"/>
               <a:t>‹#›</a:t>
             </a:fld>
-            <a:endParaRPr lang="hu-HU"/>
+            <a:endParaRPr lang="hu-HU" dirty="0"/>
           </a:p>
         </p:txBody>
       </p:sp>
@@ -2906,7 +2911,7 @@
               <a:rPr lang="hu-HU" smtClean="0"/>
               <a:t>2025. 10. 07.</a:t>
             </a:fld>
-            <a:endParaRPr lang="hu-HU"/>
+            <a:endParaRPr lang="hu-HU" dirty="0"/>
           </a:p>
         </p:txBody>
       </p:sp>
@@ -2949,7 +2954,7 @@
             </a:lvl1pPr>
           </a:lstStyle>
           <a:p>
-            <a:endParaRPr lang="hu-HU"/>
+            <a:endParaRPr lang="hu-HU" dirty="0"/>
           </a:p>
         </p:txBody>
       </p:sp>
@@ -2996,7 +3001,7 @@
               <a:rPr lang="hu-HU" smtClean="0"/>
               <a:t>‹#›</a:t>
             </a:fld>
-            <a:endParaRPr lang="hu-HU"/>
+            <a:endParaRPr lang="hu-HU" dirty="0"/>
           </a:p>
         </p:txBody>
       </p:sp>
@@ -3370,7 +3375,7 @@
           <a:p>
             <a:pPr algn="ctr"/>
             <a:r>
-              <a:rPr lang="hu-HU" dirty="0" err="1">
+              <a:rPr lang="hu-HU" dirty="0">
                 <a:ln w="0"/>
                 <a:solidFill>
                   <a:schemeClr val="tx1"/>
@@ -3391,10 +3396,10 @@
       </p:sp>
       <p:sp>
         <p:nvSpPr>
-          <p:cNvPr id="6" name="Téglalap 5">
-            <a:extLst>
-              <a:ext uri="{FF2B5EF4-FFF2-40B4-BE49-F238E27FC236}">
-                <a16:creationId xmlns:a16="http://schemas.microsoft.com/office/drawing/2014/main" id="{F86B5D66-41AF-4F62-B588-BE44D07CA43C}"/>
+          <p:cNvPr id="7" name="Téglalap 6">
+            <a:extLst>
+              <a:ext uri="{FF2B5EF4-FFF2-40B4-BE49-F238E27FC236}">
+                <a16:creationId xmlns:a16="http://schemas.microsoft.com/office/drawing/2014/main" id="{57407235-1539-434A-B6CC-D5125EC6C230}"/>
               </a:ext>
             </a:extLst>
           </p:cNvPr>
@@ -3403,7 +3408,7 @@
         </p:nvSpPr>
         <p:spPr>
           <a:xfrm>
-            <a:off x="7877262" y="5956182"/>
+            <a:off x="4995644" y="2996266"/>
             <a:ext cx="1392572" cy="620785"/>
           </a:xfrm>
           <a:prstGeom prst="rect">
@@ -3438,7 +3443,7 @@
           <a:p>
             <a:pPr algn="ctr"/>
             <a:r>
-              <a:rPr lang="hu-HU" dirty="0" err="1">
+              <a:rPr lang="hu-HU" dirty="0">
                 <a:ln w="0"/>
                 <a:solidFill>
                   <a:schemeClr val="tx1"/>
@@ -3451,7 +3456,7 @@
                   </a:outerShdw>
                 </a:effectLst>
               </a:rPr>
-              <a:t>Delivery</a:t>
+              <a:t>Instrument</a:t>
             </a:r>
             <a:endParaRPr lang="hu-HU" dirty="0"/>
           </a:p>
@@ -3459,10 +3464,10 @@
       </p:sp>
       <p:sp>
         <p:nvSpPr>
-          <p:cNvPr id="7" name="Téglalap 6">
-            <a:extLst>
-              <a:ext uri="{FF2B5EF4-FFF2-40B4-BE49-F238E27FC236}">
-                <a16:creationId xmlns:a16="http://schemas.microsoft.com/office/drawing/2014/main" id="{57407235-1539-434A-B6CC-D5125EC6C230}"/>
+          <p:cNvPr id="8" name="Téglalap 7">
+            <a:extLst>
+              <a:ext uri="{FF2B5EF4-FFF2-40B4-BE49-F238E27FC236}">
+                <a16:creationId xmlns:a16="http://schemas.microsoft.com/office/drawing/2014/main" id="{8ACA957A-FD88-4F5F-B508-1F8D13B1BB05}"/>
               </a:ext>
             </a:extLst>
           </p:cNvPr>
@@ -3471,7 +3476,7 @@
         </p:nvSpPr>
         <p:spPr>
           <a:xfrm>
-            <a:off x="4995644" y="2996266"/>
+            <a:off x="2803319" y="1568383"/>
             <a:ext cx="1392572" cy="620785"/>
           </a:xfrm>
           <a:prstGeom prst="rect">
@@ -3506,7 +3511,7 @@
           <a:p>
             <a:pPr algn="ctr"/>
             <a:r>
-              <a:rPr lang="hu-HU" dirty="0" err="1">
+              <a:rPr lang="hu-HU" dirty="0">
                 <a:ln w="0"/>
                 <a:solidFill>
                   <a:schemeClr val="tx1"/>
@@ -3519,7 +3524,7 @@
                   </a:outerShdw>
                 </a:effectLst>
               </a:rPr>
-              <a:t>Instrument</a:t>
+              <a:t>Subcategory</a:t>
             </a:r>
             <a:endParaRPr lang="hu-HU" dirty="0"/>
           </a:p>
@@ -3527,10 +3532,10 @@
       </p:sp>
       <p:sp>
         <p:nvSpPr>
-          <p:cNvPr id="8" name="Téglalap 7">
-            <a:extLst>
-              <a:ext uri="{FF2B5EF4-FFF2-40B4-BE49-F238E27FC236}">
-                <a16:creationId xmlns:a16="http://schemas.microsoft.com/office/drawing/2014/main" id="{8ACA957A-FD88-4F5F-B508-1F8D13B1BB05}"/>
+          <p:cNvPr id="9" name="Téglalap 8">
+            <a:extLst>
+              <a:ext uri="{FF2B5EF4-FFF2-40B4-BE49-F238E27FC236}">
+                <a16:creationId xmlns:a16="http://schemas.microsoft.com/office/drawing/2014/main" id="{DB07C390-7F9D-4CA6-A6C4-36D811E4B555}"/>
               </a:ext>
             </a:extLst>
           </p:cNvPr>
@@ -3539,7 +3544,7 @@
         </p:nvSpPr>
         <p:spPr>
           <a:xfrm>
-            <a:off x="2803319" y="1568383"/>
+            <a:off x="10765873" y="2996267"/>
             <a:ext cx="1392572" cy="620785"/>
           </a:xfrm>
           <a:prstGeom prst="rect">
@@ -3574,7 +3579,7 @@
           <a:p>
             <a:pPr algn="ctr"/>
             <a:r>
-              <a:rPr lang="hu-HU" dirty="0" err="1">
+              <a:rPr lang="hu-HU" dirty="0">
                 <a:ln w="0"/>
                 <a:solidFill>
                   <a:schemeClr val="tx1"/>
@@ -3587,7 +3592,7 @@
                   </a:outerShdw>
                 </a:effectLst>
               </a:rPr>
-              <a:t>Subcategory</a:t>
+              <a:t>User</a:t>
             </a:r>
             <a:endParaRPr lang="hu-HU" dirty="0"/>
           </a:p>
@@ -3595,10 +3600,10 @@
       </p:sp>
       <p:sp>
         <p:nvSpPr>
-          <p:cNvPr id="9" name="Téglalap 8">
-            <a:extLst>
-              <a:ext uri="{FF2B5EF4-FFF2-40B4-BE49-F238E27FC236}">
-                <a16:creationId xmlns:a16="http://schemas.microsoft.com/office/drawing/2014/main" id="{DB07C390-7F9D-4CA6-A6C4-36D811E4B555}"/>
+          <p:cNvPr id="10" name="Folyamatábra: Döntés 9">
+            <a:extLst>
+              <a:ext uri="{FF2B5EF4-FFF2-40B4-BE49-F238E27FC236}">
+                <a16:creationId xmlns:a16="http://schemas.microsoft.com/office/drawing/2014/main" id="{1AD9A81E-F01D-4E02-AC2F-CFE1C8B16A06}"/>
               </a:ext>
             </a:extLst>
           </p:cNvPr>
@@ -3607,10 +3612,10 @@
         </p:nvSpPr>
         <p:spPr>
           <a:xfrm>
-            <a:off x="10765873" y="2996267"/>
-            <a:ext cx="1392572" cy="620785"/>
-          </a:xfrm>
-          <a:prstGeom prst="rect">
+            <a:off x="7499757" y="2857149"/>
+            <a:ext cx="2147582" cy="899019"/>
+          </a:xfrm>
+          <a:prstGeom prst="flowChartDecision">
             <a:avLst/>
           </a:prstGeom>
           <a:noFill/>
@@ -3637,12 +3642,17 @@
           </a:fontRef>
         </p:style>
         <p:txBody>
-          <a:bodyPr rtlCol="0" anchor="ctr"/>
+          <a:bodyPr rot="0" spcFirstLastPara="0" vertOverflow="overflow" horzOverflow="overflow" vert="horz" wrap="square" lIns="91440" tIns="45720" rIns="91440" bIns="45720" numCol="1" spcCol="0" rtlCol="0" fromWordArt="0" anchor="ctr" anchorCtr="0" forceAA="0" compatLnSpc="1">
+            <a:prstTxWarp prst="textNoShape">
+              <a:avLst/>
+            </a:prstTxWarp>
+            <a:noAutofit/>
+          </a:bodyPr>
           <a:lstStyle/>
           <a:p>
             <a:pPr algn="ctr"/>
             <a:r>
-              <a:rPr lang="hu-HU" dirty="0" err="1">
+              <a:rPr lang="hu-HU" dirty="0">
                 <a:ln w="0"/>
                 <a:solidFill>
                   <a:schemeClr val="tx1"/>
@@ -3655,18 +3665,98 @@
                   </a:outerShdw>
                 </a:effectLst>
               </a:rPr>
-              <a:t>User</a:t>
-            </a:r>
-            <a:endParaRPr lang="hu-HU" dirty="0"/>
-          </a:p>
-        </p:txBody>
-      </p:sp>
-      <p:sp>
-        <p:nvSpPr>
-          <p:cNvPr id="10" name="Folyamatábra: Döntés 9">
-            <a:extLst>
-              <a:ext uri="{FF2B5EF4-FFF2-40B4-BE49-F238E27FC236}">
-                <a16:creationId xmlns:a16="http://schemas.microsoft.com/office/drawing/2014/main" id="{1AD9A81E-F01D-4E02-AC2F-CFE1C8B16A06}"/>
+              <a:t>Upload</a:t>
+            </a:r>
+          </a:p>
+        </p:txBody>
+      </p:sp>
+      <p:cxnSp>
+        <p:nvCxnSpPr>
+          <p:cNvPr id="12" name="Egyenes összekötő 11">
+            <a:extLst>
+              <a:ext uri="{FF2B5EF4-FFF2-40B4-BE49-F238E27FC236}">
+                <a16:creationId xmlns:a16="http://schemas.microsoft.com/office/drawing/2014/main" id="{9492DF66-FF41-41D1-A7A8-AE917563D3D9}"/>
+              </a:ext>
+            </a:extLst>
+          </p:cNvPr>
+          <p:cNvCxnSpPr>
+            <a:stCxn id="9" idx="1"/>
+            <a:endCxn id="10" idx="3"/>
+          </p:cNvCxnSpPr>
+          <p:nvPr/>
+        </p:nvCxnSpPr>
+        <p:spPr>
+          <a:xfrm flipH="1" flipV="1">
+            <a:off x="9647339" y="3306659"/>
+            <a:ext cx="1118534" cy="1"/>
+          </a:xfrm>
+          <a:prstGeom prst="line">
+            <a:avLst/>
+          </a:prstGeom>
+          <a:ln w="28575"/>
+        </p:spPr>
+        <p:style>
+          <a:lnRef idx="1">
+            <a:schemeClr val="dk1"/>
+          </a:lnRef>
+          <a:fillRef idx="0">
+            <a:schemeClr val="dk1"/>
+          </a:fillRef>
+          <a:effectRef idx="0">
+            <a:schemeClr val="dk1"/>
+          </a:effectRef>
+          <a:fontRef idx="minor">
+            <a:schemeClr val="tx1"/>
+          </a:fontRef>
+        </p:style>
+      </p:cxnSp>
+      <p:cxnSp>
+        <p:nvCxnSpPr>
+          <p:cNvPr id="13" name="Egyenes összekötő 12">
+            <a:extLst>
+              <a:ext uri="{FF2B5EF4-FFF2-40B4-BE49-F238E27FC236}">
+                <a16:creationId xmlns:a16="http://schemas.microsoft.com/office/drawing/2014/main" id="{78E256F4-C8CC-4C42-8FA2-5E6AEFDD4BC7}"/>
+              </a:ext>
+            </a:extLst>
+          </p:cNvPr>
+          <p:cNvCxnSpPr>
+            <a:cxnSpLocks/>
+            <a:stCxn id="10" idx="1"/>
+            <a:endCxn id="7" idx="3"/>
+          </p:cNvCxnSpPr>
+          <p:nvPr/>
+        </p:nvCxnSpPr>
+        <p:spPr>
+          <a:xfrm flipH="1">
+            <a:off x="6388216" y="3306659"/>
+            <a:ext cx="1111541" cy="0"/>
+          </a:xfrm>
+          <a:prstGeom prst="line">
+            <a:avLst/>
+          </a:prstGeom>
+          <a:ln w="28575"/>
+        </p:spPr>
+        <p:style>
+          <a:lnRef idx="1">
+            <a:schemeClr val="dk1"/>
+          </a:lnRef>
+          <a:fillRef idx="0">
+            <a:schemeClr val="dk1"/>
+          </a:fillRef>
+          <a:effectRef idx="0">
+            <a:schemeClr val="dk1"/>
+          </a:effectRef>
+          <a:fontRef idx="minor">
+            <a:schemeClr val="tx1"/>
+          </a:fontRef>
+        </p:style>
+      </p:cxnSp>
+      <p:sp>
+        <p:nvSpPr>
+          <p:cNvPr id="40" name="Folyamatábra: Döntés 39">
+            <a:extLst>
+              <a:ext uri="{FF2B5EF4-FFF2-40B4-BE49-F238E27FC236}">
+                <a16:creationId xmlns:a16="http://schemas.microsoft.com/office/drawing/2014/main" id="{8C896462-0979-4CF2-BB02-F60887896ED1}"/>
               </a:ext>
             </a:extLst>
           </p:cNvPr>
@@ -3675,7 +3765,7 @@
         </p:nvSpPr>
         <p:spPr>
           <a:xfrm>
-            <a:off x="7499757" y="1935410"/>
+            <a:off x="70605" y="1429265"/>
             <a:ext cx="2147582" cy="899019"/>
           </a:xfrm>
           <a:prstGeom prst="flowChartDecision">
@@ -3715,7 +3805,7 @@
           <a:p>
             <a:pPr algn="ctr"/>
             <a:r>
-              <a:rPr lang="hu-HU" dirty="0" err="1">
+              <a:rPr lang="hu-HU" dirty="0">
                 <a:ln w="0"/>
                 <a:solidFill>
                   <a:schemeClr val="tx1"/>
@@ -3728,43 +3818,31 @@
                   </a:outerShdw>
                 </a:effectLst>
               </a:rPr>
-              <a:t>Upload</a:t>
-            </a:r>
-            <a:endParaRPr lang="hu-HU" dirty="0">
-              <a:ln w="0"/>
-              <a:solidFill>
-                <a:schemeClr val="tx1"/>
-              </a:solidFill>
-              <a:effectLst>
-                <a:outerShdw blurRad="38100" dist="19050" dir="2700000" algn="tl" rotWithShape="0">
-                  <a:schemeClr val="dk1">
-                    <a:alpha val="40000"/>
-                  </a:schemeClr>
-                </a:outerShdw>
-              </a:effectLst>
-            </a:endParaRPr>
+              <a:t>Filtration</a:t>
+            </a:r>
           </a:p>
         </p:txBody>
       </p:sp>
       <p:cxnSp>
         <p:nvCxnSpPr>
-          <p:cNvPr id="12" name="Egyenes összekötő 11">
-            <a:extLst>
-              <a:ext uri="{FF2B5EF4-FFF2-40B4-BE49-F238E27FC236}">
-                <a16:creationId xmlns:a16="http://schemas.microsoft.com/office/drawing/2014/main" id="{9492DF66-FF41-41D1-A7A8-AE917563D3D9}"/>
+          <p:cNvPr id="41" name="Egyenes összekötő 40">
+            <a:extLst>
+              <a:ext uri="{FF2B5EF4-FFF2-40B4-BE49-F238E27FC236}">
+                <a16:creationId xmlns:a16="http://schemas.microsoft.com/office/drawing/2014/main" id="{8ECC4C93-98CF-4552-A4D2-20CDAA8C25A5}"/>
               </a:ext>
             </a:extLst>
           </p:cNvPr>
           <p:cNvCxnSpPr>
-            <a:stCxn id="9" idx="1"/>
-            <a:endCxn id="10" idx="3"/>
+            <a:cxnSpLocks/>
+            <a:stCxn id="40" idx="0"/>
+            <a:endCxn id="3" idx="2"/>
           </p:cNvCxnSpPr>
           <p:nvPr/>
         </p:nvCxnSpPr>
         <p:spPr>
-          <a:xfrm flipH="1" flipV="1">
-            <a:off x="9647339" y="2384920"/>
-            <a:ext cx="1118534" cy="921740"/>
+          <a:xfrm flipV="1">
+            <a:off x="1144396" y="782964"/>
+            <a:ext cx="0" cy="646301"/>
           </a:xfrm>
           <a:prstGeom prst="line">
             <a:avLst/>
@@ -3788,24 +3866,24 @@
       </p:cxnSp>
       <p:cxnSp>
         <p:nvCxnSpPr>
-          <p:cNvPr id="13" name="Egyenes összekötő 12">
-            <a:extLst>
-              <a:ext uri="{FF2B5EF4-FFF2-40B4-BE49-F238E27FC236}">
-                <a16:creationId xmlns:a16="http://schemas.microsoft.com/office/drawing/2014/main" id="{78E256F4-C8CC-4C42-8FA2-5E6AEFDD4BC7}"/>
+          <p:cNvPr id="44" name="Egyenes összekötő 43">
+            <a:extLst>
+              <a:ext uri="{FF2B5EF4-FFF2-40B4-BE49-F238E27FC236}">
+                <a16:creationId xmlns:a16="http://schemas.microsoft.com/office/drawing/2014/main" id="{1B238B3E-9CA9-4C38-899C-2874CEAD3EE5}"/>
               </a:ext>
             </a:extLst>
           </p:cNvPr>
           <p:cNvCxnSpPr>
             <a:cxnSpLocks/>
-            <a:stCxn id="10" idx="1"/>
-            <a:endCxn id="7" idx="3"/>
+            <a:stCxn id="8" idx="1"/>
+            <a:endCxn id="40" idx="3"/>
           </p:cNvCxnSpPr>
           <p:nvPr/>
         </p:nvCxnSpPr>
         <p:spPr>
-          <a:xfrm flipH="1">
-            <a:off x="6388216" y="2384920"/>
-            <a:ext cx="1111541" cy="921739"/>
+          <a:xfrm flipH="1" flipV="1">
+            <a:off x="2218187" y="1878775"/>
+            <a:ext cx="585132" cy="1"/>
           </a:xfrm>
           <a:prstGeom prst="line">
             <a:avLst/>
@@ -3829,10 +3907,10 @@
       </p:cxnSp>
       <p:sp>
         <p:nvSpPr>
-          <p:cNvPr id="15" name="Folyamatábra: Döntés 14">
-            <a:extLst>
-              <a:ext uri="{FF2B5EF4-FFF2-40B4-BE49-F238E27FC236}">
-                <a16:creationId xmlns:a16="http://schemas.microsoft.com/office/drawing/2014/main" id="{DE43989F-2551-44AE-98A7-8CF571ACA07F}"/>
+          <p:cNvPr id="47" name="Folyamatábra: Döntés 46">
+            <a:extLst>
+              <a:ext uri="{FF2B5EF4-FFF2-40B4-BE49-F238E27FC236}">
+                <a16:creationId xmlns:a16="http://schemas.microsoft.com/office/drawing/2014/main" id="{AEA2398E-37CE-444B-8BAD-94C9C4D1769A}"/>
               </a:ext>
             </a:extLst>
           </p:cNvPr>
@@ -3841,7 +3919,7 @@
         </p:nvSpPr>
         <p:spPr>
           <a:xfrm>
-            <a:off x="7499757" y="3880606"/>
+            <a:off x="4618139" y="1429267"/>
             <a:ext cx="2147582" cy="899019"/>
           </a:xfrm>
           <a:prstGeom prst="flowChartDecision">
@@ -3881,382 +3959,7 @@
           <a:p>
             <a:pPr algn="ctr"/>
             <a:r>
-              <a:rPr lang="hu-HU" dirty="0" err="1">
-                <a:ln w="0"/>
-                <a:solidFill>
-                  <a:schemeClr val="tx1"/>
-                </a:solidFill>
-                <a:effectLst>
-                  <a:outerShdw blurRad="38100" dist="19050" dir="2700000" algn="tl" rotWithShape="0">
-                    <a:schemeClr val="dk1">
-                      <a:alpha val="40000"/>
-                    </a:schemeClr>
-                  </a:outerShdw>
-                </a:effectLst>
-              </a:rPr>
-              <a:t>Purchase</a:t>
-            </a:r>
-            <a:endParaRPr lang="hu-HU" dirty="0">
-              <a:ln w="0"/>
-              <a:solidFill>
-                <a:schemeClr val="tx1"/>
-              </a:solidFill>
-              <a:effectLst>
-                <a:outerShdw blurRad="38100" dist="19050" dir="2700000" algn="tl" rotWithShape="0">
-                  <a:schemeClr val="dk1">
-                    <a:alpha val="40000"/>
-                  </a:schemeClr>
-                </a:outerShdw>
-              </a:effectLst>
-            </a:endParaRPr>
-          </a:p>
-        </p:txBody>
-      </p:sp>
-      <p:cxnSp>
-        <p:nvCxnSpPr>
-          <p:cNvPr id="16" name="Egyenes összekötő 15">
-            <a:extLst>
-              <a:ext uri="{FF2B5EF4-FFF2-40B4-BE49-F238E27FC236}">
-                <a16:creationId xmlns:a16="http://schemas.microsoft.com/office/drawing/2014/main" id="{E0745F70-D13A-4C58-8DE5-2BA770572EA0}"/>
-              </a:ext>
-            </a:extLst>
-          </p:cNvPr>
-          <p:cNvCxnSpPr>
-            <a:cxnSpLocks/>
-            <a:stCxn id="9" idx="1"/>
-            <a:endCxn id="15" idx="3"/>
-          </p:cNvCxnSpPr>
-          <p:nvPr/>
-        </p:nvCxnSpPr>
-        <p:spPr>
-          <a:xfrm flipH="1">
-            <a:off x="9647339" y="3306660"/>
-            <a:ext cx="1118534" cy="1023456"/>
-          </a:xfrm>
-          <a:prstGeom prst="line">
-            <a:avLst/>
-          </a:prstGeom>
-          <a:ln w="28575"/>
-        </p:spPr>
-        <p:style>
-          <a:lnRef idx="1">
-            <a:schemeClr val="dk1"/>
-          </a:lnRef>
-          <a:fillRef idx="0">
-            <a:schemeClr val="dk1"/>
-          </a:fillRef>
-          <a:effectRef idx="0">
-            <a:schemeClr val="dk1"/>
-          </a:effectRef>
-          <a:fontRef idx="minor">
-            <a:schemeClr val="tx1"/>
-          </a:fontRef>
-        </p:style>
-      </p:cxnSp>
-      <p:cxnSp>
-        <p:nvCxnSpPr>
-          <p:cNvPr id="19" name="Egyenes összekötő 18">
-            <a:extLst>
-              <a:ext uri="{FF2B5EF4-FFF2-40B4-BE49-F238E27FC236}">
-                <a16:creationId xmlns:a16="http://schemas.microsoft.com/office/drawing/2014/main" id="{2D8F9D59-9D24-4040-92AB-17510CA3B3A8}"/>
-              </a:ext>
-            </a:extLst>
-          </p:cNvPr>
-          <p:cNvCxnSpPr>
-            <a:cxnSpLocks/>
-            <a:stCxn id="15" idx="1"/>
-            <a:endCxn id="7" idx="3"/>
-          </p:cNvCxnSpPr>
-          <p:nvPr/>
-        </p:nvCxnSpPr>
-        <p:spPr>
-          <a:xfrm flipH="1" flipV="1">
-            <a:off x="6388216" y="3306659"/>
-            <a:ext cx="1111541" cy="1023457"/>
-          </a:xfrm>
-          <a:prstGeom prst="line">
-            <a:avLst/>
-          </a:prstGeom>
-          <a:ln w="28575"/>
-        </p:spPr>
-        <p:style>
-          <a:lnRef idx="1">
-            <a:schemeClr val="dk1"/>
-          </a:lnRef>
-          <a:fillRef idx="0">
-            <a:schemeClr val="dk1"/>
-          </a:fillRef>
-          <a:effectRef idx="0">
-            <a:schemeClr val="dk1"/>
-          </a:effectRef>
-          <a:fontRef idx="minor">
-            <a:schemeClr val="tx1"/>
-          </a:fontRef>
-        </p:style>
-      </p:cxnSp>
-      <p:cxnSp>
-        <p:nvCxnSpPr>
-          <p:cNvPr id="22" name="Egyenes összekötő 21">
-            <a:extLst>
-              <a:ext uri="{FF2B5EF4-FFF2-40B4-BE49-F238E27FC236}">
-                <a16:creationId xmlns:a16="http://schemas.microsoft.com/office/drawing/2014/main" id="{717ACE1B-D02E-4B89-A64E-E09E4CC2EB43}"/>
-              </a:ext>
-            </a:extLst>
-          </p:cNvPr>
-          <p:cNvCxnSpPr>
-            <a:cxnSpLocks/>
-            <a:stCxn id="6" idx="0"/>
-            <a:endCxn id="15" idx="2"/>
-          </p:cNvCxnSpPr>
-          <p:nvPr/>
-        </p:nvCxnSpPr>
-        <p:spPr>
-          <a:xfrm flipV="1">
-            <a:off x="8573548" y="4779625"/>
-            <a:ext cx="0" cy="1176557"/>
-          </a:xfrm>
-          <a:prstGeom prst="line">
-            <a:avLst/>
-          </a:prstGeom>
-          <a:ln w="28575"/>
-        </p:spPr>
-        <p:style>
-          <a:lnRef idx="1">
-            <a:schemeClr val="dk1"/>
-          </a:lnRef>
-          <a:fillRef idx="0">
-            <a:schemeClr val="dk1"/>
-          </a:fillRef>
-          <a:effectRef idx="0">
-            <a:schemeClr val="dk1"/>
-          </a:effectRef>
-          <a:fontRef idx="minor">
-            <a:schemeClr val="tx1"/>
-          </a:fontRef>
-        </p:style>
-      </p:cxnSp>
-      <p:sp>
-        <p:nvSpPr>
-          <p:cNvPr id="40" name="Folyamatábra: Döntés 39">
-            <a:extLst>
-              <a:ext uri="{FF2B5EF4-FFF2-40B4-BE49-F238E27FC236}">
-                <a16:creationId xmlns:a16="http://schemas.microsoft.com/office/drawing/2014/main" id="{8C896462-0979-4CF2-BB02-F60887896ED1}"/>
-              </a:ext>
-            </a:extLst>
-          </p:cNvPr>
-          <p:cNvSpPr/>
-          <p:nvPr/>
-        </p:nvSpPr>
-        <p:spPr>
-          <a:xfrm>
-            <a:off x="70605" y="1429265"/>
-            <a:ext cx="2147582" cy="899019"/>
-          </a:xfrm>
-          <a:prstGeom prst="flowChartDecision">
-            <a:avLst/>
-          </a:prstGeom>
-          <a:noFill/>
-          <a:ln w="38100">
-            <a:solidFill>
-              <a:schemeClr val="tx1"/>
-            </a:solidFill>
-          </a:ln>
-        </p:spPr>
-        <p:style>
-          <a:lnRef idx="2">
-            <a:schemeClr val="accent1">
-              <a:shade val="50000"/>
-            </a:schemeClr>
-          </a:lnRef>
-          <a:fillRef idx="1">
-            <a:schemeClr val="accent1"/>
-          </a:fillRef>
-          <a:effectRef idx="0">
-            <a:schemeClr val="accent1"/>
-          </a:effectRef>
-          <a:fontRef idx="minor">
-            <a:schemeClr val="lt1"/>
-          </a:fontRef>
-        </p:style>
-        <p:txBody>
-          <a:bodyPr rot="0" spcFirstLastPara="0" vertOverflow="overflow" horzOverflow="overflow" vert="horz" wrap="square" lIns="91440" tIns="45720" rIns="91440" bIns="45720" numCol="1" spcCol="0" rtlCol="0" fromWordArt="0" anchor="ctr" anchorCtr="0" forceAA="0" compatLnSpc="1">
-            <a:prstTxWarp prst="textNoShape">
-              <a:avLst/>
-            </a:prstTxWarp>
-            <a:noAutofit/>
-          </a:bodyPr>
-          <a:lstStyle/>
-          <a:p>
-            <a:pPr algn="ctr"/>
-            <a:r>
-              <a:rPr lang="hu-HU" dirty="0" err="1">
-                <a:ln w="0"/>
-                <a:solidFill>
-                  <a:schemeClr val="tx1"/>
-                </a:solidFill>
-                <a:effectLst>
-                  <a:outerShdw blurRad="38100" dist="19050" dir="2700000" algn="tl" rotWithShape="0">
-                    <a:schemeClr val="dk1">
-                      <a:alpha val="40000"/>
-                    </a:schemeClr>
-                  </a:outerShdw>
-                </a:effectLst>
-              </a:rPr>
-              <a:t>Filtration</a:t>
-            </a:r>
-            <a:endParaRPr lang="hu-HU" dirty="0">
-              <a:ln w="0"/>
-              <a:solidFill>
-                <a:schemeClr val="tx1"/>
-              </a:solidFill>
-              <a:effectLst>
-                <a:outerShdw blurRad="38100" dist="19050" dir="2700000" algn="tl" rotWithShape="0">
-                  <a:schemeClr val="dk1">
-                    <a:alpha val="40000"/>
-                  </a:schemeClr>
-                </a:outerShdw>
-              </a:effectLst>
-            </a:endParaRPr>
-          </a:p>
-        </p:txBody>
-      </p:sp>
-      <p:cxnSp>
-        <p:nvCxnSpPr>
-          <p:cNvPr id="41" name="Egyenes összekötő 40">
-            <a:extLst>
-              <a:ext uri="{FF2B5EF4-FFF2-40B4-BE49-F238E27FC236}">
-                <a16:creationId xmlns:a16="http://schemas.microsoft.com/office/drawing/2014/main" id="{8ECC4C93-98CF-4552-A4D2-20CDAA8C25A5}"/>
-              </a:ext>
-            </a:extLst>
-          </p:cNvPr>
-          <p:cNvCxnSpPr>
-            <a:cxnSpLocks/>
-            <a:stCxn id="40" idx="0"/>
-            <a:endCxn id="3" idx="2"/>
-          </p:cNvCxnSpPr>
-          <p:nvPr/>
-        </p:nvCxnSpPr>
-        <p:spPr>
-          <a:xfrm flipV="1">
-            <a:off x="1144396" y="782964"/>
-            <a:ext cx="0" cy="646301"/>
-          </a:xfrm>
-          <a:prstGeom prst="line">
-            <a:avLst/>
-          </a:prstGeom>
-          <a:ln w="28575"/>
-        </p:spPr>
-        <p:style>
-          <a:lnRef idx="1">
-            <a:schemeClr val="dk1"/>
-          </a:lnRef>
-          <a:fillRef idx="0">
-            <a:schemeClr val="dk1"/>
-          </a:fillRef>
-          <a:effectRef idx="0">
-            <a:schemeClr val="dk1"/>
-          </a:effectRef>
-          <a:fontRef idx="minor">
-            <a:schemeClr val="tx1"/>
-          </a:fontRef>
-        </p:style>
-      </p:cxnSp>
-      <p:cxnSp>
-        <p:nvCxnSpPr>
-          <p:cNvPr id="44" name="Egyenes összekötő 43">
-            <a:extLst>
-              <a:ext uri="{FF2B5EF4-FFF2-40B4-BE49-F238E27FC236}">
-                <a16:creationId xmlns:a16="http://schemas.microsoft.com/office/drawing/2014/main" id="{1B238B3E-9CA9-4C38-899C-2874CEAD3EE5}"/>
-              </a:ext>
-            </a:extLst>
-          </p:cNvPr>
-          <p:cNvCxnSpPr>
-            <a:cxnSpLocks/>
-            <a:stCxn id="8" idx="1"/>
-            <a:endCxn id="40" idx="3"/>
-          </p:cNvCxnSpPr>
-          <p:nvPr/>
-        </p:nvCxnSpPr>
-        <p:spPr>
-          <a:xfrm flipH="1" flipV="1">
-            <a:off x="2218187" y="1878775"/>
-            <a:ext cx="585132" cy="1"/>
-          </a:xfrm>
-          <a:prstGeom prst="line">
-            <a:avLst/>
-          </a:prstGeom>
-          <a:ln w="28575"/>
-        </p:spPr>
-        <p:style>
-          <a:lnRef idx="1">
-            <a:schemeClr val="dk1"/>
-          </a:lnRef>
-          <a:fillRef idx="0">
-            <a:schemeClr val="dk1"/>
-          </a:fillRef>
-          <a:effectRef idx="0">
-            <a:schemeClr val="dk1"/>
-          </a:effectRef>
-          <a:fontRef idx="minor">
-            <a:schemeClr val="tx1"/>
-          </a:fontRef>
-        </p:style>
-      </p:cxnSp>
-      <p:sp>
-        <p:nvSpPr>
-          <p:cNvPr id="47" name="Folyamatábra: Döntés 46">
-            <a:extLst>
-              <a:ext uri="{FF2B5EF4-FFF2-40B4-BE49-F238E27FC236}">
-                <a16:creationId xmlns:a16="http://schemas.microsoft.com/office/drawing/2014/main" id="{AEA2398E-37CE-444B-8BAD-94C9C4D1769A}"/>
-              </a:ext>
-            </a:extLst>
-          </p:cNvPr>
-          <p:cNvSpPr/>
-          <p:nvPr/>
-        </p:nvSpPr>
-        <p:spPr>
-          <a:xfrm>
-            <a:off x="4618139" y="1429267"/>
-            <a:ext cx="2147582" cy="899019"/>
-          </a:xfrm>
-          <a:prstGeom prst="flowChartDecision">
-            <a:avLst/>
-          </a:prstGeom>
-          <a:noFill/>
-          <a:ln w="38100">
-            <a:solidFill>
-              <a:schemeClr val="tx1"/>
-            </a:solidFill>
-          </a:ln>
-        </p:spPr>
-        <p:style>
-          <a:lnRef idx="2">
-            <a:schemeClr val="accent1">
-              <a:shade val="50000"/>
-            </a:schemeClr>
-          </a:lnRef>
-          <a:fillRef idx="1">
-            <a:schemeClr val="accent1"/>
-          </a:fillRef>
-          <a:effectRef idx="0">
-            <a:schemeClr val="accent1"/>
-          </a:effectRef>
-          <a:fontRef idx="minor">
-            <a:schemeClr val="lt1"/>
-          </a:fontRef>
-        </p:style>
-        <p:txBody>
-          <a:bodyPr rot="0" spcFirstLastPara="0" vertOverflow="overflow" horzOverflow="overflow" vert="horz" wrap="square" lIns="91440" tIns="45720" rIns="91440" bIns="45720" numCol="1" spcCol="0" rtlCol="0" fromWordArt="0" anchor="ctr" anchorCtr="0" forceAA="0" compatLnSpc="1">
-            <a:prstTxWarp prst="textNoShape">
-              <a:avLst/>
-            </a:prstTxWarp>
-            <a:noAutofit/>
-          </a:bodyPr>
-          <a:lstStyle/>
-          <a:p>
-            <a:pPr algn="ctr"/>
-            <a:r>
-              <a:rPr lang="hu-HU" dirty="0" err="1">
+              <a:rPr lang="hu-HU" dirty="0">
                 <a:ln w="0"/>
                 <a:solidFill>
                   <a:schemeClr val="tx1"/>
@@ -4271,19 +3974,6 @@
               </a:rPr>
               <a:t>Classify</a:t>
             </a:r>
-            <a:endParaRPr lang="hu-HU" dirty="0">
-              <a:ln w="0"/>
-              <a:solidFill>
-                <a:schemeClr val="tx1"/>
-              </a:solidFill>
-              <a:effectLst>
-                <a:outerShdw blurRad="38100" dist="19050" dir="2700000" algn="tl" rotWithShape="0">
-                  <a:schemeClr val="dk1">
-                    <a:alpha val="40000"/>
-                  </a:schemeClr>
-                </a:outerShdw>
-              </a:effectLst>
-            </a:endParaRPr>
           </a:p>
         </p:txBody>
       </p:sp>
@@ -4371,10 +4061,10 @@
       </p:cxnSp>
       <p:sp>
         <p:nvSpPr>
-          <p:cNvPr id="110" name="Ellipszis 109">
-            <a:extLst>
-              <a:ext uri="{FF2B5EF4-FFF2-40B4-BE49-F238E27FC236}">
-                <a16:creationId xmlns:a16="http://schemas.microsoft.com/office/drawing/2014/main" id="{CF6F096E-D176-4E25-B56C-5F17F548D857}"/>
+          <p:cNvPr id="14" name="Ellipszis 13">
+            <a:extLst>
+              <a:ext uri="{FF2B5EF4-FFF2-40B4-BE49-F238E27FC236}">
+                <a16:creationId xmlns:a16="http://schemas.microsoft.com/office/drawing/2014/main" id="{359B524E-D1FD-4398-8240-0CA26EB9138C}"/>
               </a:ext>
             </a:extLst>
           </p:cNvPr>
@@ -4383,14 +4073,13 @@
         </p:nvSpPr>
         <p:spPr>
           <a:xfrm>
-            <a:off x="6576969" y="472571"/>
-            <a:ext cx="1300270" cy="620785"/>
+            <a:off x="9301067" y="2204096"/>
+            <a:ext cx="1118533" cy="523813"/>
           </a:xfrm>
           <a:prstGeom prst="ellipse">
             <a:avLst/>
           </a:prstGeom>
-          <a:noFill/>
-          <a:ln w="38100">
+          <a:ln w="19050">
             <a:solidFill>
               <a:schemeClr val="tx1"/>
             </a:solidFill>
@@ -4398,18 +4087,16 @@
         </p:spPr>
         <p:style>
           <a:lnRef idx="2">
-            <a:schemeClr val="accent1">
-              <a:shade val="50000"/>
-            </a:schemeClr>
+            <a:schemeClr val="accent6"/>
           </a:lnRef>
           <a:fillRef idx="1">
-            <a:schemeClr val="accent1"/>
+            <a:schemeClr val="lt1"/>
           </a:fillRef>
           <a:effectRef idx="0">
-            <a:schemeClr val="accent1"/>
+            <a:schemeClr val="accent6"/>
           </a:effectRef>
           <a:fontRef idx="minor">
-            <a:schemeClr val="lt1"/>
+            <a:schemeClr val="dk1"/>
           </a:fontRef>
         </p:style>
         <p:txBody>
@@ -4417,10 +4104,1941 @@
           <a:lstStyle/>
           <a:p>
             <a:pPr algn="ctr"/>
-            <a:endParaRPr lang="hu-HU"/>
-          </a:p>
-        </p:txBody>
-      </p:sp>
+            <a:r>
+              <a:rPr lang="hu-HU" u="sng" dirty="0"/>
+              <a:t>uid</a:t>
+            </a:r>
+          </a:p>
+          <a:p>
+            <a:pPr algn="ctr"/>
+            <a:endParaRPr lang="hu-HU" dirty="0">
+              <a:noFill/>
+            </a:endParaRPr>
+          </a:p>
+        </p:txBody>
+      </p:sp>
+      <p:sp>
+        <p:nvSpPr>
+          <p:cNvPr id="26" name="Ellipszis 25">
+            <a:extLst>
+              <a:ext uri="{FF2B5EF4-FFF2-40B4-BE49-F238E27FC236}">
+                <a16:creationId xmlns:a16="http://schemas.microsoft.com/office/drawing/2014/main" id="{57C135F7-1319-43CC-A21C-E5ABEBA4BE53}"/>
+              </a:ext>
+            </a:extLst>
+          </p:cNvPr>
+          <p:cNvSpPr/>
+          <p:nvPr/>
+        </p:nvSpPr>
+        <p:spPr>
+          <a:xfrm>
+            <a:off x="1565778" y="2398444"/>
+            <a:ext cx="1340279" cy="620785"/>
+          </a:xfrm>
+          <a:prstGeom prst="ellipse">
+            <a:avLst/>
+          </a:prstGeom>
+          <a:ln w="19050">
+            <a:solidFill>
+              <a:schemeClr val="tx1"/>
+            </a:solidFill>
+          </a:ln>
+        </p:spPr>
+        <p:style>
+          <a:lnRef idx="2">
+            <a:schemeClr val="accent6"/>
+          </a:lnRef>
+          <a:fillRef idx="1">
+            <a:schemeClr val="lt1"/>
+          </a:fillRef>
+          <a:effectRef idx="0">
+            <a:schemeClr val="accent6"/>
+          </a:effectRef>
+          <a:fontRef idx="minor">
+            <a:schemeClr val="dk1"/>
+          </a:fontRef>
+        </p:style>
+        <p:txBody>
+          <a:bodyPr rtlCol="0" anchor="ctr"/>
+          <a:lstStyle/>
+          <a:p>
+            <a:pPr algn="ctr"/>
+            <a:r>
+              <a:rPr lang="hu-HU" u="sng" dirty="0"/>
+              <a:t>scname</a:t>
+            </a:r>
+          </a:p>
+          <a:p>
+            <a:pPr algn="ctr"/>
+            <a:endParaRPr lang="hu-HU" dirty="0">
+              <a:noFill/>
+            </a:endParaRPr>
+          </a:p>
+        </p:txBody>
+      </p:sp>
+      <p:sp>
+        <p:nvSpPr>
+          <p:cNvPr id="28" name="Ellipszis 27">
+            <a:extLst>
+              <a:ext uri="{FF2B5EF4-FFF2-40B4-BE49-F238E27FC236}">
+                <a16:creationId xmlns:a16="http://schemas.microsoft.com/office/drawing/2014/main" id="{95CC824F-9DBC-46AB-8B5F-106C976C1F99}"/>
+              </a:ext>
+            </a:extLst>
+          </p:cNvPr>
+          <p:cNvSpPr/>
+          <p:nvPr/>
+        </p:nvSpPr>
+        <p:spPr>
+          <a:xfrm>
+            <a:off x="10611193" y="1726611"/>
+            <a:ext cx="1540793" cy="671833"/>
+          </a:xfrm>
+          <a:prstGeom prst="ellipse">
+            <a:avLst/>
+          </a:prstGeom>
+          <a:ln w="19050">
+            <a:solidFill>
+              <a:schemeClr val="tx1"/>
+            </a:solidFill>
+          </a:ln>
+        </p:spPr>
+        <p:style>
+          <a:lnRef idx="2">
+            <a:schemeClr val="accent6"/>
+          </a:lnRef>
+          <a:fillRef idx="1">
+            <a:schemeClr val="lt1"/>
+          </a:fillRef>
+          <a:effectRef idx="0">
+            <a:schemeClr val="accent6"/>
+          </a:effectRef>
+          <a:fontRef idx="minor">
+            <a:schemeClr val="dk1"/>
+          </a:fontRef>
+        </p:style>
+        <p:txBody>
+          <a:bodyPr rtlCol="0" anchor="ctr"/>
+          <a:lstStyle/>
+          <a:p>
+            <a:pPr algn="ctr"/>
+            <a:r>
+              <a:rPr lang="hu-HU" dirty="0"/>
+              <a:t>pnumber</a:t>
+            </a:r>
+          </a:p>
+          <a:p>
+            <a:pPr algn="ctr"/>
+            <a:endParaRPr lang="hu-HU" dirty="0">
+              <a:noFill/>
+            </a:endParaRPr>
+          </a:p>
+        </p:txBody>
+      </p:sp>
+      <p:sp>
+        <p:nvSpPr>
+          <p:cNvPr id="29" name="Ellipszis 28">
+            <a:extLst>
+              <a:ext uri="{FF2B5EF4-FFF2-40B4-BE49-F238E27FC236}">
+                <a16:creationId xmlns:a16="http://schemas.microsoft.com/office/drawing/2014/main" id="{D6C6A9AF-F45B-4D83-9246-E4D26C3F6097}"/>
+              </a:ext>
+            </a:extLst>
+          </p:cNvPr>
+          <p:cNvSpPr/>
+          <p:nvPr/>
+        </p:nvSpPr>
+        <p:spPr>
+          <a:xfrm>
+            <a:off x="9249974" y="3789418"/>
+            <a:ext cx="1515899" cy="803996"/>
+          </a:xfrm>
+          <a:prstGeom prst="ellipse">
+            <a:avLst/>
+          </a:prstGeom>
+          <a:ln w="19050">
+            <a:solidFill>
+              <a:schemeClr val="tx1"/>
+            </a:solidFill>
+          </a:ln>
+        </p:spPr>
+        <p:style>
+          <a:lnRef idx="2">
+            <a:schemeClr val="accent6"/>
+          </a:lnRef>
+          <a:fillRef idx="1">
+            <a:schemeClr val="lt1"/>
+          </a:fillRef>
+          <a:effectRef idx="0">
+            <a:schemeClr val="accent6"/>
+          </a:effectRef>
+          <a:fontRef idx="minor">
+            <a:schemeClr val="dk1"/>
+          </a:fontRef>
+        </p:style>
+        <p:txBody>
+          <a:bodyPr rtlCol="0" anchor="ctr"/>
+          <a:lstStyle/>
+          <a:p>
+            <a:pPr algn="ctr"/>
+            <a:r>
+              <a:rPr lang="hu-HU" dirty="0"/>
+              <a:t>password</a:t>
+            </a:r>
+          </a:p>
+          <a:p>
+            <a:pPr algn="ctr"/>
+            <a:endParaRPr lang="hu-HU" dirty="0">
+              <a:noFill/>
+            </a:endParaRPr>
+          </a:p>
+        </p:txBody>
+      </p:sp>
+      <p:sp>
+        <p:nvSpPr>
+          <p:cNvPr id="30" name="Ellipszis 29">
+            <a:extLst>
+              <a:ext uri="{FF2B5EF4-FFF2-40B4-BE49-F238E27FC236}">
+                <a16:creationId xmlns:a16="http://schemas.microsoft.com/office/drawing/2014/main" id="{EC71C164-47C3-42B9-BFD6-A828EB8D2A31}"/>
+              </a:ext>
+            </a:extLst>
+          </p:cNvPr>
+          <p:cNvSpPr/>
+          <p:nvPr/>
+        </p:nvSpPr>
+        <p:spPr>
+          <a:xfrm>
+            <a:off x="11006051" y="4830133"/>
+            <a:ext cx="1185949" cy="523813"/>
+          </a:xfrm>
+          <a:prstGeom prst="ellipse">
+            <a:avLst/>
+          </a:prstGeom>
+          <a:ln w="19050">
+            <a:solidFill>
+              <a:schemeClr val="tx1"/>
+            </a:solidFill>
+          </a:ln>
+        </p:spPr>
+        <p:style>
+          <a:lnRef idx="2">
+            <a:schemeClr val="accent6"/>
+          </a:lnRef>
+          <a:fillRef idx="1">
+            <a:schemeClr val="lt1"/>
+          </a:fillRef>
+          <a:effectRef idx="0">
+            <a:schemeClr val="accent6"/>
+          </a:effectRef>
+          <a:fontRef idx="minor">
+            <a:schemeClr val="dk1"/>
+          </a:fontRef>
+        </p:style>
+        <p:txBody>
+          <a:bodyPr rtlCol="0" anchor="ctr"/>
+          <a:lstStyle/>
+          <a:p>
+            <a:pPr algn="ctr"/>
+            <a:r>
+              <a:rPr lang="hu-HU" dirty="0"/>
+              <a:t>review</a:t>
+            </a:r>
+          </a:p>
+          <a:p>
+            <a:pPr algn="ctr"/>
+            <a:endParaRPr lang="hu-HU" dirty="0">
+              <a:noFill/>
+            </a:endParaRPr>
+          </a:p>
+        </p:txBody>
+      </p:sp>
+      <p:sp>
+        <p:nvSpPr>
+          <p:cNvPr id="31" name="Ellipszis 30">
+            <a:extLst>
+              <a:ext uri="{FF2B5EF4-FFF2-40B4-BE49-F238E27FC236}">
+                <a16:creationId xmlns:a16="http://schemas.microsoft.com/office/drawing/2014/main" id="{B660E568-6037-44DA-90EC-659CD9AE5B25}"/>
+              </a:ext>
+            </a:extLst>
+          </p:cNvPr>
+          <p:cNvSpPr/>
+          <p:nvPr/>
+        </p:nvSpPr>
+        <p:spPr>
+          <a:xfrm>
+            <a:off x="9119786" y="5015329"/>
+            <a:ext cx="1299814" cy="523813"/>
+          </a:xfrm>
+          <a:prstGeom prst="ellipse">
+            <a:avLst/>
+          </a:prstGeom>
+          <a:ln w="19050">
+            <a:solidFill>
+              <a:schemeClr val="tx1"/>
+            </a:solidFill>
+          </a:ln>
+        </p:spPr>
+        <p:style>
+          <a:lnRef idx="2">
+            <a:schemeClr val="accent6"/>
+          </a:lnRef>
+          <a:fillRef idx="1">
+            <a:schemeClr val="lt1"/>
+          </a:fillRef>
+          <a:effectRef idx="0">
+            <a:schemeClr val="accent6"/>
+          </a:effectRef>
+          <a:fontRef idx="minor">
+            <a:schemeClr val="dk1"/>
+          </a:fontRef>
+        </p:style>
+        <p:txBody>
+          <a:bodyPr rtlCol="0" anchor="ctr"/>
+          <a:lstStyle/>
+          <a:p>
+            <a:pPr algn="ctr"/>
+            <a:r>
+              <a:rPr lang="hu-HU" dirty="0"/>
+              <a:t>address</a:t>
+            </a:r>
+          </a:p>
+          <a:p>
+            <a:pPr algn="ctr"/>
+            <a:endParaRPr lang="hu-HU" dirty="0">
+              <a:noFill/>
+            </a:endParaRPr>
+          </a:p>
+        </p:txBody>
+      </p:sp>
+      <p:sp>
+        <p:nvSpPr>
+          <p:cNvPr id="32" name="Ellipszis 31">
+            <a:extLst>
+              <a:ext uri="{FF2B5EF4-FFF2-40B4-BE49-F238E27FC236}">
+                <a16:creationId xmlns:a16="http://schemas.microsoft.com/office/drawing/2014/main" id="{0FD1C448-A838-4B2A-B3D5-C0B497FCD68C}"/>
+              </a:ext>
+            </a:extLst>
+          </p:cNvPr>
+          <p:cNvSpPr/>
+          <p:nvPr/>
+        </p:nvSpPr>
+        <p:spPr>
+          <a:xfrm>
+            <a:off x="10068271" y="5550898"/>
+            <a:ext cx="1185949" cy="537095"/>
+          </a:xfrm>
+          <a:prstGeom prst="ellipse">
+            <a:avLst/>
+          </a:prstGeom>
+          <a:ln w="19050">
+            <a:solidFill>
+              <a:schemeClr val="tx1"/>
+            </a:solidFill>
+          </a:ln>
+        </p:spPr>
+        <p:style>
+          <a:lnRef idx="2">
+            <a:schemeClr val="accent6"/>
+          </a:lnRef>
+          <a:fillRef idx="1">
+            <a:schemeClr val="lt1"/>
+          </a:fillRef>
+          <a:effectRef idx="0">
+            <a:schemeClr val="accent6"/>
+          </a:effectRef>
+          <a:fontRef idx="minor">
+            <a:schemeClr val="dk1"/>
+          </a:fontRef>
+        </p:style>
+        <p:txBody>
+          <a:bodyPr rtlCol="0" anchor="ctr"/>
+          <a:lstStyle/>
+          <a:p>
+            <a:pPr algn="ctr"/>
+            <a:r>
+              <a:rPr lang="hu-HU" dirty="0"/>
+              <a:t>uname</a:t>
+            </a:r>
+          </a:p>
+          <a:p>
+            <a:pPr algn="ctr"/>
+            <a:endParaRPr lang="hu-HU" dirty="0">
+              <a:noFill/>
+            </a:endParaRPr>
+          </a:p>
+        </p:txBody>
+      </p:sp>
+      <p:sp>
+        <p:nvSpPr>
+          <p:cNvPr id="33" name="Ellipszis 32">
+            <a:extLst>
+              <a:ext uri="{FF2B5EF4-FFF2-40B4-BE49-F238E27FC236}">
+                <a16:creationId xmlns:a16="http://schemas.microsoft.com/office/drawing/2014/main" id="{EDDB5A8F-9AFE-440D-8460-533251789CFB}"/>
+              </a:ext>
+            </a:extLst>
+          </p:cNvPr>
+          <p:cNvSpPr/>
+          <p:nvPr/>
+        </p:nvSpPr>
+        <p:spPr>
+          <a:xfrm>
+            <a:off x="2382791" y="165279"/>
+            <a:ext cx="1194762" cy="620785"/>
+          </a:xfrm>
+          <a:prstGeom prst="ellipse">
+            <a:avLst/>
+          </a:prstGeom>
+          <a:ln w="19050">
+            <a:solidFill>
+              <a:schemeClr val="tx1"/>
+            </a:solidFill>
+          </a:ln>
+        </p:spPr>
+        <p:style>
+          <a:lnRef idx="2">
+            <a:schemeClr val="accent6"/>
+          </a:lnRef>
+          <a:fillRef idx="1">
+            <a:schemeClr val="lt1"/>
+          </a:fillRef>
+          <a:effectRef idx="0">
+            <a:schemeClr val="accent6"/>
+          </a:effectRef>
+          <a:fontRef idx="minor">
+            <a:schemeClr val="dk1"/>
+          </a:fontRef>
+        </p:style>
+        <p:txBody>
+          <a:bodyPr rtlCol="0" anchor="ctr"/>
+          <a:lstStyle/>
+          <a:p>
+            <a:pPr algn="ctr"/>
+            <a:r>
+              <a:rPr lang="hu-HU" u="sng" dirty="0"/>
+              <a:t>cname</a:t>
+            </a:r>
+          </a:p>
+          <a:p>
+            <a:pPr algn="ctr"/>
+            <a:endParaRPr lang="hu-HU" dirty="0">
+              <a:noFill/>
+            </a:endParaRPr>
+          </a:p>
+        </p:txBody>
+      </p:sp>
+      <p:sp>
+        <p:nvSpPr>
+          <p:cNvPr id="35" name="Ellipszis 34">
+            <a:extLst>
+              <a:ext uri="{FF2B5EF4-FFF2-40B4-BE49-F238E27FC236}">
+                <a16:creationId xmlns:a16="http://schemas.microsoft.com/office/drawing/2014/main" id="{951BDDB7-3644-477B-A4BC-E02E92829E9A}"/>
+              </a:ext>
+            </a:extLst>
+          </p:cNvPr>
+          <p:cNvSpPr/>
+          <p:nvPr/>
+        </p:nvSpPr>
+        <p:spPr>
+          <a:xfrm>
+            <a:off x="9301067" y="1231595"/>
+            <a:ext cx="1118533" cy="523813"/>
+          </a:xfrm>
+          <a:prstGeom prst="ellipse">
+            <a:avLst/>
+          </a:prstGeom>
+          <a:ln w="19050">
+            <a:solidFill>
+              <a:schemeClr val="tx1"/>
+            </a:solidFill>
+          </a:ln>
+        </p:spPr>
+        <p:style>
+          <a:lnRef idx="2">
+            <a:schemeClr val="accent6"/>
+          </a:lnRef>
+          <a:fillRef idx="1">
+            <a:schemeClr val="lt1"/>
+          </a:fillRef>
+          <a:effectRef idx="0">
+            <a:schemeClr val="accent6"/>
+          </a:effectRef>
+          <a:fontRef idx="minor">
+            <a:schemeClr val="dk1"/>
+          </a:fontRef>
+        </p:style>
+        <p:txBody>
+          <a:bodyPr rtlCol="0" anchor="ctr"/>
+          <a:lstStyle/>
+          <a:p>
+            <a:pPr algn="ctr"/>
+            <a:r>
+              <a:rPr lang="hu-HU" dirty="0"/>
+              <a:t>email</a:t>
+            </a:r>
+          </a:p>
+          <a:p>
+            <a:pPr algn="ctr"/>
+            <a:endParaRPr lang="hu-HU" dirty="0">
+              <a:noFill/>
+            </a:endParaRPr>
+          </a:p>
+        </p:txBody>
+      </p:sp>
+      <p:sp>
+        <p:nvSpPr>
+          <p:cNvPr id="38" name="Ellipszis 37">
+            <a:extLst>
+              <a:ext uri="{FF2B5EF4-FFF2-40B4-BE49-F238E27FC236}">
+                <a16:creationId xmlns:a16="http://schemas.microsoft.com/office/drawing/2014/main" id="{195D0F3E-A6D3-4775-841B-B7D13F10E313}"/>
+              </a:ext>
+            </a:extLst>
+          </p:cNvPr>
+          <p:cNvSpPr/>
+          <p:nvPr/>
+        </p:nvSpPr>
+        <p:spPr>
+          <a:xfrm>
+            <a:off x="3174370" y="2640950"/>
+            <a:ext cx="1340279" cy="620785"/>
+          </a:xfrm>
+          <a:prstGeom prst="ellipse">
+            <a:avLst/>
+          </a:prstGeom>
+          <a:ln w="19050">
+            <a:solidFill>
+              <a:schemeClr val="tx1"/>
+            </a:solidFill>
+          </a:ln>
+        </p:spPr>
+        <p:style>
+          <a:lnRef idx="2">
+            <a:schemeClr val="accent6"/>
+          </a:lnRef>
+          <a:fillRef idx="1">
+            <a:schemeClr val="lt1"/>
+          </a:fillRef>
+          <a:effectRef idx="0">
+            <a:schemeClr val="accent6"/>
+          </a:effectRef>
+          <a:fontRef idx="minor">
+            <a:schemeClr val="dk1"/>
+          </a:fontRef>
+        </p:style>
+        <p:txBody>
+          <a:bodyPr rtlCol="0" anchor="ctr"/>
+          <a:lstStyle/>
+          <a:p>
+            <a:pPr algn="ctr"/>
+            <a:r>
+              <a:rPr lang="hu-HU" i="1" dirty="0"/>
+              <a:t>cname</a:t>
+            </a:r>
+          </a:p>
+          <a:p>
+            <a:pPr algn="ctr"/>
+            <a:endParaRPr lang="hu-HU" dirty="0">
+              <a:noFill/>
+            </a:endParaRPr>
+          </a:p>
+        </p:txBody>
+      </p:sp>
+      <p:sp>
+        <p:nvSpPr>
+          <p:cNvPr id="39" name="Ellipszis 38">
+            <a:extLst>
+              <a:ext uri="{FF2B5EF4-FFF2-40B4-BE49-F238E27FC236}">
+                <a16:creationId xmlns:a16="http://schemas.microsoft.com/office/drawing/2014/main" id="{16A4DDE9-CF9B-47F2-9076-BBA68139D5AF}"/>
+              </a:ext>
+            </a:extLst>
+          </p:cNvPr>
+          <p:cNvSpPr/>
+          <p:nvPr/>
+        </p:nvSpPr>
+        <p:spPr>
+          <a:xfrm>
+            <a:off x="3510694" y="3789418"/>
+            <a:ext cx="1118533" cy="523813"/>
+          </a:xfrm>
+          <a:prstGeom prst="ellipse">
+            <a:avLst/>
+          </a:prstGeom>
+          <a:ln w="19050">
+            <a:solidFill>
+              <a:schemeClr val="tx1"/>
+            </a:solidFill>
+          </a:ln>
+        </p:spPr>
+        <p:style>
+          <a:lnRef idx="2">
+            <a:schemeClr val="accent6"/>
+          </a:lnRef>
+          <a:fillRef idx="1">
+            <a:schemeClr val="lt1"/>
+          </a:fillRef>
+          <a:effectRef idx="0">
+            <a:schemeClr val="accent6"/>
+          </a:effectRef>
+          <a:fontRef idx="minor">
+            <a:schemeClr val="dk1"/>
+          </a:fontRef>
+        </p:style>
+        <p:txBody>
+          <a:bodyPr rtlCol="0" anchor="ctr"/>
+          <a:lstStyle/>
+          <a:p>
+            <a:pPr algn="ctr"/>
+            <a:r>
+              <a:rPr lang="hu-HU" u="sng" dirty="0"/>
+              <a:t>iid</a:t>
+            </a:r>
+          </a:p>
+          <a:p>
+            <a:pPr algn="ctr"/>
+            <a:endParaRPr lang="hu-HU" dirty="0">
+              <a:noFill/>
+            </a:endParaRPr>
+          </a:p>
+        </p:txBody>
+      </p:sp>
+      <p:sp>
+        <p:nvSpPr>
+          <p:cNvPr id="42" name="Ellipszis 41">
+            <a:extLst>
+              <a:ext uri="{FF2B5EF4-FFF2-40B4-BE49-F238E27FC236}">
+                <a16:creationId xmlns:a16="http://schemas.microsoft.com/office/drawing/2014/main" id="{0DE54267-9617-4380-82C4-59DB0DE894E4}"/>
+              </a:ext>
+            </a:extLst>
+          </p:cNvPr>
+          <p:cNvSpPr/>
+          <p:nvPr/>
+        </p:nvSpPr>
+        <p:spPr>
+          <a:xfrm>
+            <a:off x="6597028" y="3747935"/>
+            <a:ext cx="1185949" cy="537095"/>
+          </a:xfrm>
+          <a:prstGeom prst="ellipse">
+            <a:avLst/>
+          </a:prstGeom>
+          <a:ln w="19050">
+            <a:solidFill>
+              <a:schemeClr val="tx1"/>
+            </a:solidFill>
+          </a:ln>
+        </p:spPr>
+        <p:style>
+          <a:lnRef idx="2">
+            <a:schemeClr val="accent6"/>
+          </a:lnRef>
+          <a:fillRef idx="1">
+            <a:schemeClr val="lt1"/>
+          </a:fillRef>
+          <a:effectRef idx="0">
+            <a:schemeClr val="accent6"/>
+          </a:effectRef>
+          <a:fontRef idx="minor">
+            <a:schemeClr val="dk1"/>
+          </a:fontRef>
+        </p:style>
+        <p:txBody>
+          <a:bodyPr rtlCol="0" anchor="ctr"/>
+          <a:lstStyle/>
+          <a:p>
+            <a:pPr algn="ctr"/>
+            <a:r>
+              <a:rPr lang="hu-HU" dirty="0"/>
+              <a:t>iname</a:t>
+            </a:r>
+          </a:p>
+          <a:p>
+            <a:pPr algn="ctr"/>
+            <a:endParaRPr lang="hu-HU" dirty="0">
+              <a:noFill/>
+            </a:endParaRPr>
+          </a:p>
+        </p:txBody>
+      </p:sp>
+      <p:sp>
+        <p:nvSpPr>
+          <p:cNvPr id="43" name="Ellipszis 42">
+            <a:extLst>
+              <a:ext uri="{FF2B5EF4-FFF2-40B4-BE49-F238E27FC236}">
+                <a16:creationId xmlns:a16="http://schemas.microsoft.com/office/drawing/2014/main" id="{778AC420-2C0F-40B8-A489-6C8B95391374}"/>
+              </a:ext>
+            </a:extLst>
+          </p:cNvPr>
+          <p:cNvSpPr/>
+          <p:nvPr/>
+        </p:nvSpPr>
+        <p:spPr>
+          <a:xfrm>
+            <a:off x="4239089" y="4765781"/>
+            <a:ext cx="1299814" cy="662952"/>
+          </a:xfrm>
+          <a:prstGeom prst="ellipse">
+            <a:avLst/>
+          </a:prstGeom>
+          <a:ln w="19050">
+            <a:solidFill>
+              <a:schemeClr val="tx1"/>
+            </a:solidFill>
+          </a:ln>
+        </p:spPr>
+        <p:style>
+          <a:lnRef idx="2">
+            <a:schemeClr val="accent6"/>
+          </a:lnRef>
+          <a:fillRef idx="1">
+            <a:schemeClr val="lt1"/>
+          </a:fillRef>
+          <a:effectRef idx="0">
+            <a:schemeClr val="accent6"/>
+          </a:effectRef>
+          <a:fontRef idx="minor">
+            <a:schemeClr val="dk1"/>
+          </a:fontRef>
+        </p:style>
+        <p:txBody>
+          <a:bodyPr rtlCol="0" anchor="ctr"/>
+          <a:lstStyle/>
+          <a:p>
+            <a:pPr algn="ctr"/>
+            <a:r>
+              <a:rPr lang="hu-HU" i="1" dirty="0"/>
+              <a:t>scname</a:t>
+            </a:r>
+          </a:p>
+          <a:p>
+            <a:pPr algn="ctr"/>
+            <a:endParaRPr lang="hu-HU" dirty="0">
+              <a:noFill/>
+            </a:endParaRPr>
+          </a:p>
+        </p:txBody>
+      </p:sp>
+      <p:sp>
+        <p:nvSpPr>
+          <p:cNvPr id="45" name="Ellipszis 44">
+            <a:extLst>
+              <a:ext uri="{FF2B5EF4-FFF2-40B4-BE49-F238E27FC236}">
+                <a16:creationId xmlns:a16="http://schemas.microsoft.com/office/drawing/2014/main" id="{0BAF4650-BFC5-40EB-B1C8-9C9E949D8EE9}"/>
+              </a:ext>
+            </a:extLst>
+          </p:cNvPr>
+          <p:cNvSpPr/>
+          <p:nvPr/>
+        </p:nvSpPr>
+        <p:spPr>
+          <a:xfrm>
+            <a:off x="5638343" y="5282351"/>
+            <a:ext cx="1185949" cy="537095"/>
+          </a:xfrm>
+          <a:prstGeom prst="ellipse">
+            <a:avLst/>
+          </a:prstGeom>
+          <a:ln w="19050">
+            <a:solidFill>
+              <a:schemeClr val="tx1"/>
+            </a:solidFill>
+          </a:ln>
+        </p:spPr>
+        <p:style>
+          <a:lnRef idx="2">
+            <a:schemeClr val="accent6"/>
+          </a:lnRef>
+          <a:fillRef idx="1">
+            <a:schemeClr val="lt1"/>
+          </a:fillRef>
+          <a:effectRef idx="0">
+            <a:schemeClr val="accent6"/>
+          </a:effectRef>
+          <a:fontRef idx="minor">
+            <a:schemeClr val="dk1"/>
+          </a:fontRef>
+        </p:style>
+        <p:txBody>
+          <a:bodyPr rtlCol="0" anchor="ctr"/>
+          <a:lstStyle/>
+          <a:p>
+            <a:pPr algn="ctr"/>
+            <a:r>
+              <a:rPr lang="hu-HU" dirty="0"/>
+              <a:t>cost</a:t>
+            </a:r>
+          </a:p>
+          <a:p>
+            <a:pPr algn="ctr"/>
+            <a:endParaRPr lang="hu-HU" dirty="0">
+              <a:noFill/>
+            </a:endParaRPr>
+          </a:p>
+        </p:txBody>
+      </p:sp>
+      <p:sp>
+        <p:nvSpPr>
+          <p:cNvPr id="46" name="Ellipszis 45">
+            <a:extLst>
+              <a:ext uri="{FF2B5EF4-FFF2-40B4-BE49-F238E27FC236}">
+                <a16:creationId xmlns:a16="http://schemas.microsoft.com/office/drawing/2014/main" id="{0DAF7D21-AFF9-4327-97DF-2CDCE324C6B8}"/>
+              </a:ext>
+            </a:extLst>
+          </p:cNvPr>
+          <p:cNvSpPr/>
+          <p:nvPr/>
+        </p:nvSpPr>
+        <p:spPr>
+          <a:xfrm>
+            <a:off x="6545823" y="4687125"/>
+            <a:ext cx="1185949" cy="537095"/>
+          </a:xfrm>
+          <a:prstGeom prst="ellipse">
+            <a:avLst/>
+          </a:prstGeom>
+          <a:ln w="19050">
+            <a:solidFill>
+              <a:schemeClr val="tx1"/>
+            </a:solidFill>
+          </a:ln>
+        </p:spPr>
+        <p:style>
+          <a:lnRef idx="2">
+            <a:schemeClr val="accent6"/>
+          </a:lnRef>
+          <a:fillRef idx="1">
+            <a:schemeClr val="lt1"/>
+          </a:fillRef>
+          <a:effectRef idx="0">
+            <a:schemeClr val="accent6"/>
+          </a:effectRef>
+          <a:fontRef idx="minor">
+            <a:schemeClr val="dk1"/>
+          </a:fontRef>
+        </p:style>
+        <p:txBody>
+          <a:bodyPr rtlCol="0" anchor="ctr"/>
+          <a:lstStyle/>
+          <a:p>
+            <a:pPr algn="ctr"/>
+            <a:r>
+              <a:rPr lang="hu-HU" i="1" dirty="0"/>
+              <a:t>uid</a:t>
+            </a:r>
+          </a:p>
+          <a:p>
+            <a:pPr algn="ctr"/>
+            <a:endParaRPr lang="hu-HU" dirty="0">
+              <a:noFill/>
+            </a:endParaRPr>
+          </a:p>
+        </p:txBody>
+      </p:sp>
+      <p:cxnSp>
+        <p:nvCxnSpPr>
+          <p:cNvPr id="23" name="Egyenes összekötő 22">
+            <a:extLst>
+              <a:ext uri="{FF2B5EF4-FFF2-40B4-BE49-F238E27FC236}">
+                <a16:creationId xmlns:a16="http://schemas.microsoft.com/office/drawing/2014/main" id="{44906F84-BA1C-465D-BB56-DA4BDF94A86B}"/>
+              </a:ext>
+            </a:extLst>
+          </p:cNvPr>
+          <p:cNvCxnSpPr>
+            <a:cxnSpLocks/>
+            <a:stCxn id="39" idx="7"/>
+            <a:endCxn id="7" idx="2"/>
+          </p:cNvCxnSpPr>
+          <p:nvPr/>
+        </p:nvCxnSpPr>
+        <p:spPr>
+          <a:xfrm flipV="1">
+            <a:off x="4465422" y="3617051"/>
+            <a:ext cx="1226508" cy="249078"/>
+          </a:xfrm>
+          <a:prstGeom prst="line">
+            <a:avLst/>
+          </a:prstGeom>
+          <a:ln w="28575"/>
+        </p:spPr>
+        <p:style>
+          <a:lnRef idx="1">
+            <a:schemeClr val="dk1"/>
+          </a:lnRef>
+          <a:fillRef idx="0">
+            <a:schemeClr val="dk1"/>
+          </a:fillRef>
+          <a:effectRef idx="0">
+            <a:schemeClr val="dk1"/>
+          </a:effectRef>
+          <a:fontRef idx="minor">
+            <a:schemeClr val="tx1"/>
+          </a:fontRef>
+        </p:style>
+      </p:cxnSp>
+      <p:cxnSp>
+        <p:nvCxnSpPr>
+          <p:cNvPr id="49" name="Egyenes összekötő 48">
+            <a:extLst>
+              <a:ext uri="{FF2B5EF4-FFF2-40B4-BE49-F238E27FC236}">
+                <a16:creationId xmlns:a16="http://schemas.microsoft.com/office/drawing/2014/main" id="{B7D83D72-44FF-43E3-A0CE-40B44999B590}"/>
+              </a:ext>
+            </a:extLst>
+          </p:cNvPr>
+          <p:cNvCxnSpPr>
+            <a:cxnSpLocks/>
+            <a:stCxn id="42" idx="1"/>
+            <a:endCxn id="7" idx="2"/>
+          </p:cNvCxnSpPr>
+          <p:nvPr/>
+        </p:nvCxnSpPr>
+        <p:spPr>
+          <a:xfrm flipH="1" flipV="1">
+            <a:off x="5691930" y="3617051"/>
+            <a:ext cx="1078776" cy="209540"/>
+          </a:xfrm>
+          <a:prstGeom prst="line">
+            <a:avLst/>
+          </a:prstGeom>
+          <a:ln w="28575"/>
+        </p:spPr>
+        <p:style>
+          <a:lnRef idx="1">
+            <a:schemeClr val="dk1"/>
+          </a:lnRef>
+          <a:fillRef idx="0">
+            <a:schemeClr val="dk1"/>
+          </a:fillRef>
+          <a:effectRef idx="0">
+            <a:schemeClr val="dk1"/>
+          </a:effectRef>
+          <a:fontRef idx="minor">
+            <a:schemeClr val="tx1"/>
+          </a:fontRef>
+        </p:style>
+      </p:cxnSp>
+      <p:cxnSp>
+        <p:nvCxnSpPr>
+          <p:cNvPr id="50" name="Egyenes összekötő 49">
+            <a:extLst>
+              <a:ext uri="{FF2B5EF4-FFF2-40B4-BE49-F238E27FC236}">
+                <a16:creationId xmlns:a16="http://schemas.microsoft.com/office/drawing/2014/main" id="{76C412A5-DCCE-46A5-B442-9C52A178FD2D}"/>
+              </a:ext>
+            </a:extLst>
+          </p:cNvPr>
+          <p:cNvCxnSpPr>
+            <a:cxnSpLocks/>
+            <a:stCxn id="43" idx="7"/>
+            <a:endCxn id="7" idx="2"/>
+          </p:cNvCxnSpPr>
+          <p:nvPr/>
+        </p:nvCxnSpPr>
+        <p:spPr>
+          <a:xfrm flipV="1">
+            <a:off x="5348550" y="3617051"/>
+            <a:ext cx="343380" cy="1245817"/>
+          </a:xfrm>
+          <a:prstGeom prst="line">
+            <a:avLst/>
+          </a:prstGeom>
+          <a:ln w="28575"/>
+        </p:spPr>
+        <p:style>
+          <a:lnRef idx="1">
+            <a:schemeClr val="dk1"/>
+          </a:lnRef>
+          <a:fillRef idx="0">
+            <a:schemeClr val="dk1"/>
+          </a:fillRef>
+          <a:effectRef idx="0">
+            <a:schemeClr val="dk1"/>
+          </a:effectRef>
+          <a:fontRef idx="minor">
+            <a:schemeClr val="tx1"/>
+          </a:fontRef>
+        </p:style>
+      </p:cxnSp>
+      <p:cxnSp>
+        <p:nvCxnSpPr>
+          <p:cNvPr id="52" name="Egyenes összekötő 51">
+            <a:extLst>
+              <a:ext uri="{FF2B5EF4-FFF2-40B4-BE49-F238E27FC236}">
+                <a16:creationId xmlns:a16="http://schemas.microsoft.com/office/drawing/2014/main" id="{FD269786-F050-4B38-988A-26BBB0C013BB}"/>
+              </a:ext>
+            </a:extLst>
+          </p:cNvPr>
+          <p:cNvCxnSpPr>
+            <a:cxnSpLocks/>
+            <a:stCxn id="46" idx="1"/>
+            <a:endCxn id="7" idx="2"/>
+          </p:cNvCxnSpPr>
+          <p:nvPr/>
+        </p:nvCxnSpPr>
+        <p:spPr>
+          <a:xfrm flipH="1" flipV="1">
+            <a:off x="5691930" y="3617051"/>
+            <a:ext cx="1027571" cy="1148730"/>
+          </a:xfrm>
+          <a:prstGeom prst="line">
+            <a:avLst/>
+          </a:prstGeom>
+          <a:ln w="28575"/>
+        </p:spPr>
+        <p:style>
+          <a:lnRef idx="1">
+            <a:schemeClr val="dk1"/>
+          </a:lnRef>
+          <a:fillRef idx="0">
+            <a:schemeClr val="dk1"/>
+          </a:fillRef>
+          <a:effectRef idx="0">
+            <a:schemeClr val="dk1"/>
+          </a:effectRef>
+          <a:fontRef idx="minor">
+            <a:schemeClr val="tx1"/>
+          </a:fontRef>
+        </p:style>
+      </p:cxnSp>
+      <p:cxnSp>
+        <p:nvCxnSpPr>
+          <p:cNvPr id="55" name="Egyenes összekötő 54">
+            <a:extLst>
+              <a:ext uri="{FF2B5EF4-FFF2-40B4-BE49-F238E27FC236}">
+                <a16:creationId xmlns:a16="http://schemas.microsoft.com/office/drawing/2014/main" id="{9ECA5B28-6818-4703-B553-DB373F0A11E4}"/>
+              </a:ext>
+            </a:extLst>
+          </p:cNvPr>
+          <p:cNvCxnSpPr>
+            <a:cxnSpLocks/>
+            <a:stCxn id="45" idx="0"/>
+            <a:endCxn id="7" idx="2"/>
+          </p:cNvCxnSpPr>
+          <p:nvPr/>
+        </p:nvCxnSpPr>
+        <p:spPr>
+          <a:xfrm flipH="1" flipV="1">
+            <a:off x="5691930" y="3617051"/>
+            <a:ext cx="539388" cy="1665300"/>
+          </a:xfrm>
+          <a:prstGeom prst="line">
+            <a:avLst/>
+          </a:prstGeom>
+          <a:ln w="28575"/>
+        </p:spPr>
+        <p:style>
+          <a:lnRef idx="1">
+            <a:schemeClr val="dk1"/>
+          </a:lnRef>
+          <a:fillRef idx="0">
+            <a:schemeClr val="dk1"/>
+          </a:fillRef>
+          <a:effectRef idx="0">
+            <a:schemeClr val="dk1"/>
+          </a:effectRef>
+          <a:fontRef idx="minor">
+            <a:schemeClr val="tx1"/>
+          </a:fontRef>
+        </p:style>
+      </p:cxnSp>
+      <p:cxnSp>
+        <p:nvCxnSpPr>
+          <p:cNvPr id="66" name="Egyenes összekötő 65">
+            <a:extLst>
+              <a:ext uri="{FF2B5EF4-FFF2-40B4-BE49-F238E27FC236}">
+                <a16:creationId xmlns:a16="http://schemas.microsoft.com/office/drawing/2014/main" id="{FADA9F5D-CFC4-4061-AB35-99A877483809}"/>
+              </a:ext>
+            </a:extLst>
+          </p:cNvPr>
+          <p:cNvCxnSpPr>
+            <a:cxnSpLocks/>
+            <a:stCxn id="9" idx="0"/>
+            <a:endCxn id="14" idx="5"/>
+          </p:cNvCxnSpPr>
+          <p:nvPr/>
+        </p:nvCxnSpPr>
+        <p:spPr>
+          <a:xfrm flipH="1" flipV="1">
+            <a:off x="10255795" y="2651198"/>
+            <a:ext cx="1206364" cy="345069"/>
+          </a:xfrm>
+          <a:prstGeom prst="line">
+            <a:avLst/>
+          </a:prstGeom>
+          <a:ln w="28575"/>
+        </p:spPr>
+        <p:style>
+          <a:lnRef idx="1">
+            <a:schemeClr val="dk1"/>
+          </a:lnRef>
+          <a:fillRef idx="0">
+            <a:schemeClr val="dk1"/>
+          </a:fillRef>
+          <a:effectRef idx="0">
+            <a:schemeClr val="dk1"/>
+          </a:effectRef>
+          <a:fontRef idx="minor">
+            <a:schemeClr val="tx1"/>
+          </a:fontRef>
+        </p:style>
+      </p:cxnSp>
+      <p:cxnSp>
+        <p:nvCxnSpPr>
+          <p:cNvPr id="69" name="Egyenes összekötő 68">
+            <a:extLst>
+              <a:ext uri="{FF2B5EF4-FFF2-40B4-BE49-F238E27FC236}">
+                <a16:creationId xmlns:a16="http://schemas.microsoft.com/office/drawing/2014/main" id="{47BEAAF9-0AD9-4C3A-9B19-701B46A15CE7}"/>
+              </a:ext>
+            </a:extLst>
+          </p:cNvPr>
+          <p:cNvCxnSpPr>
+            <a:cxnSpLocks/>
+            <a:stCxn id="9" idx="0"/>
+            <a:endCxn id="35" idx="4"/>
+          </p:cNvCxnSpPr>
+          <p:nvPr/>
+        </p:nvCxnSpPr>
+        <p:spPr>
+          <a:xfrm flipH="1" flipV="1">
+            <a:off x="9860334" y="1755408"/>
+            <a:ext cx="1601825" cy="1240859"/>
+          </a:xfrm>
+          <a:prstGeom prst="line">
+            <a:avLst/>
+          </a:prstGeom>
+          <a:ln w="28575"/>
+        </p:spPr>
+        <p:style>
+          <a:lnRef idx="1">
+            <a:schemeClr val="dk1"/>
+          </a:lnRef>
+          <a:fillRef idx="0">
+            <a:schemeClr val="dk1"/>
+          </a:fillRef>
+          <a:effectRef idx="0">
+            <a:schemeClr val="dk1"/>
+          </a:effectRef>
+          <a:fontRef idx="minor">
+            <a:schemeClr val="tx1"/>
+          </a:fontRef>
+        </p:style>
+      </p:cxnSp>
+      <p:cxnSp>
+        <p:nvCxnSpPr>
+          <p:cNvPr id="73" name="Egyenes összekötő 72">
+            <a:extLst>
+              <a:ext uri="{FF2B5EF4-FFF2-40B4-BE49-F238E27FC236}">
+                <a16:creationId xmlns:a16="http://schemas.microsoft.com/office/drawing/2014/main" id="{A59F0287-119C-455F-B919-4E9CD92A0F51}"/>
+              </a:ext>
+            </a:extLst>
+          </p:cNvPr>
+          <p:cNvCxnSpPr>
+            <a:cxnSpLocks/>
+            <a:stCxn id="9" idx="0"/>
+            <a:endCxn id="28" idx="4"/>
+          </p:cNvCxnSpPr>
+          <p:nvPr/>
+        </p:nvCxnSpPr>
+        <p:spPr>
+          <a:xfrm flipH="1" flipV="1">
+            <a:off x="11381590" y="2398444"/>
+            <a:ext cx="80569" cy="597823"/>
+          </a:xfrm>
+          <a:prstGeom prst="line">
+            <a:avLst/>
+          </a:prstGeom>
+          <a:ln w="28575"/>
+        </p:spPr>
+        <p:style>
+          <a:lnRef idx="1">
+            <a:schemeClr val="dk1"/>
+          </a:lnRef>
+          <a:fillRef idx="0">
+            <a:schemeClr val="dk1"/>
+          </a:fillRef>
+          <a:effectRef idx="0">
+            <a:schemeClr val="dk1"/>
+          </a:effectRef>
+          <a:fontRef idx="minor">
+            <a:schemeClr val="tx1"/>
+          </a:fontRef>
+        </p:style>
+      </p:cxnSp>
+      <p:cxnSp>
+        <p:nvCxnSpPr>
+          <p:cNvPr id="76" name="Egyenes összekötő 75">
+            <a:extLst>
+              <a:ext uri="{FF2B5EF4-FFF2-40B4-BE49-F238E27FC236}">
+                <a16:creationId xmlns:a16="http://schemas.microsoft.com/office/drawing/2014/main" id="{5FFE085F-E07B-4E16-B971-94EACB46D115}"/>
+              </a:ext>
+            </a:extLst>
+          </p:cNvPr>
+          <p:cNvCxnSpPr>
+            <a:cxnSpLocks/>
+            <a:stCxn id="9" idx="2"/>
+            <a:endCxn id="29" idx="7"/>
+          </p:cNvCxnSpPr>
+          <p:nvPr/>
+        </p:nvCxnSpPr>
+        <p:spPr>
+          <a:xfrm flipH="1">
+            <a:off x="10543875" y="3617052"/>
+            <a:ext cx="918284" cy="290108"/>
+          </a:xfrm>
+          <a:prstGeom prst="line">
+            <a:avLst/>
+          </a:prstGeom>
+          <a:ln w="28575"/>
+        </p:spPr>
+        <p:style>
+          <a:lnRef idx="1">
+            <a:schemeClr val="dk1"/>
+          </a:lnRef>
+          <a:fillRef idx="0">
+            <a:schemeClr val="dk1"/>
+          </a:fillRef>
+          <a:effectRef idx="0">
+            <a:schemeClr val="dk1"/>
+          </a:effectRef>
+          <a:fontRef idx="minor">
+            <a:schemeClr val="tx1"/>
+          </a:fontRef>
+        </p:style>
+      </p:cxnSp>
+      <p:cxnSp>
+        <p:nvCxnSpPr>
+          <p:cNvPr id="79" name="Egyenes összekötő 78">
+            <a:extLst>
+              <a:ext uri="{FF2B5EF4-FFF2-40B4-BE49-F238E27FC236}">
+                <a16:creationId xmlns:a16="http://schemas.microsoft.com/office/drawing/2014/main" id="{ECEA4919-B1AC-44FF-9876-FE24D443B0FC}"/>
+              </a:ext>
+            </a:extLst>
+          </p:cNvPr>
+          <p:cNvCxnSpPr>
+            <a:cxnSpLocks/>
+            <a:stCxn id="30" idx="0"/>
+            <a:endCxn id="9" idx="2"/>
+          </p:cNvCxnSpPr>
+          <p:nvPr/>
+        </p:nvCxnSpPr>
+        <p:spPr>
+          <a:xfrm flipH="1" flipV="1">
+            <a:off x="11462159" y="3617052"/>
+            <a:ext cx="136867" cy="1213081"/>
+          </a:xfrm>
+          <a:prstGeom prst="line">
+            <a:avLst/>
+          </a:prstGeom>
+          <a:ln w="28575"/>
+        </p:spPr>
+        <p:style>
+          <a:lnRef idx="1">
+            <a:schemeClr val="dk1"/>
+          </a:lnRef>
+          <a:fillRef idx="0">
+            <a:schemeClr val="dk1"/>
+          </a:fillRef>
+          <a:effectRef idx="0">
+            <a:schemeClr val="dk1"/>
+          </a:effectRef>
+          <a:fontRef idx="minor">
+            <a:schemeClr val="tx1"/>
+          </a:fontRef>
+        </p:style>
+      </p:cxnSp>
+      <p:cxnSp>
+        <p:nvCxnSpPr>
+          <p:cNvPr id="82" name="Egyenes összekötő 81">
+            <a:extLst>
+              <a:ext uri="{FF2B5EF4-FFF2-40B4-BE49-F238E27FC236}">
+                <a16:creationId xmlns:a16="http://schemas.microsoft.com/office/drawing/2014/main" id="{0423707D-23E6-4CFE-8B37-390C98DD28F0}"/>
+              </a:ext>
+            </a:extLst>
+          </p:cNvPr>
+          <p:cNvCxnSpPr>
+            <a:cxnSpLocks/>
+            <a:stCxn id="31" idx="7"/>
+            <a:endCxn id="9" idx="2"/>
+          </p:cNvCxnSpPr>
+          <p:nvPr/>
+        </p:nvCxnSpPr>
+        <p:spPr>
+          <a:xfrm flipV="1">
+            <a:off x="10229247" y="3617052"/>
+            <a:ext cx="1232912" cy="1474988"/>
+          </a:xfrm>
+          <a:prstGeom prst="line">
+            <a:avLst/>
+          </a:prstGeom>
+          <a:ln w="28575"/>
+        </p:spPr>
+        <p:style>
+          <a:lnRef idx="1">
+            <a:schemeClr val="dk1"/>
+          </a:lnRef>
+          <a:fillRef idx="0">
+            <a:schemeClr val="dk1"/>
+          </a:fillRef>
+          <a:effectRef idx="0">
+            <a:schemeClr val="dk1"/>
+          </a:effectRef>
+          <a:fontRef idx="minor">
+            <a:schemeClr val="tx1"/>
+          </a:fontRef>
+        </p:style>
+      </p:cxnSp>
+      <p:cxnSp>
+        <p:nvCxnSpPr>
+          <p:cNvPr id="86" name="Egyenes összekötő 85">
+            <a:extLst>
+              <a:ext uri="{FF2B5EF4-FFF2-40B4-BE49-F238E27FC236}">
+                <a16:creationId xmlns:a16="http://schemas.microsoft.com/office/drawing/2014/main" id="{6CE435A0-D244-40DD-BAC1-3069ABAF117C}"/>
+              </a:ext>
+            </a:extLst>
+          </p:cNvPr>
+          <p:cNvCxnSpPr>
+            <a:cxnSpLocks/>
+            <a:stCxn id="32" idx="0"/>
+            <a:endCxn id="9" idx="2"/>
+          </p:cNvCxnSpPr>
+          <p:nvPr/>
+        </p:nvCxnSpPr>
+        <p:spPr>
+          <a:xfrm flipV="1">
+            <a:off x="10661246" y="3617052"/>
+            <a:ext cx="800913" cy="1933846"/>
+          </a:xfrm>
+          <a:prstGeom prst="line">
+            <a:avLst/>
+          </a:prstGeom>
+          <a:ln w="28575"/>
+        </p:spPr>
+        <p:style>
+          <a:lnRef idx="1">
+            <a:schemeClr val="dk1"/>
+          </a:lnRef>
+          <a:fillRef idx="0">
+            <a:schemeClr val="dk1"/>
+          </a:fillRef>
+          <a:effectRef idx="0">
+            <a:schemeClr val="dk1"/>
+          </a:effectRef>
+          <a:fontRef idx="minor">
+            <a:schemeClr val="tx1"/>
+          </a:fontRef>
+        </p:style>
+      </p:cxnSp>
+      <p:cxnSp>
+        <p:nvCxnSpPr>
+          <p:cNvPr id="91" name="Egyenes összekötő 90">
+            <a:extLst>
+              <a:ext uri="{FF2B5EF4-FFF2-40B4-BE49-F238E27FC236}">
+                <a16:creationId xmlns:a16="http://schemas.microsoft.com/office/drawing/2014/main" id="{ED190E87-7F9A-4BBC-8B6D-9EE3C76113AD}"/>
+              </a:ext>
+            </a:extLst>
+          </p:cNvPr>
+          <p:cNvCxnSpPr>
+            <a:cxnSpLocks/>
+            <a:stCxn id="26" idx="7"/>
+            <a:endCxn id="8" idx="2"/>
+          </p:cNvCxnSpPr>
+          <p:nvPr/>
+        </p:nvCxnSpPr>
+        <p:spPr>
+          <a:xfrm flipV="1">
+            <a:off x="2709778" y="2189168"/>
+            <a:ext cx="789827" cy="300188"/>
+          </a:xfrm>
+          <a:prstGeom prst="line">
+            <a:avLst/>
+          </a:prstGeom>
+          <a:ln w="28575"/>
+        </p:spPr>
+        <p:style>
+          <a:lnRef idx="1">
+            <a:schemeClr val="dk1"/>
+          </a:lnRef>
+          <a:fillRef idx="0">
+            <a:schemeClr val="dk1"/>
+          </a:fillRef>
+          <a:effectRef idx="0">
+            <a:schemeClr val="dk1"/>
+          </a:effectRef>
+          <a:fontRef idx="minor">
+            <a:schemeClr val="tx1"/>
+          </a:fontRef>
+        </p:style>
+      </p:cxnSp>
+      <p:cxnSp>
+        <p:nvCxnSpPr>
+          <p:cNvPr id="94" name="Egyenes összekötő 93">
+            <a:extLst>
+              <a:ext uri="{FF2B5EF4-FFF2-40B4-BE49-F238E27FC236}">
+                <a16:creationId xmlns:a16="http://schemas.microsoft.com/office/drawing/2014/main" id="{12E6E939-6ACE-4D49-BBE0-6BDBC8153537}"/>
+              </a:ext>
+            </a:extLst>
+          </p:cNvPr>
+          <p:cNvCxnSpPr>
+            <a:cxnSpLocks/>
+            <a:stCxn id="38" idx="0"/>
+            <a:endCxn id="8" idx="2"/>
+          </p:cNvCxnSpPr>
+          <p:nvPr/>
+        </p:nvCxnSpPr>
+        <p:spPr>
+          <a:xfrm flipH="1" flipV="1">
+            <a:off x="3499605" y="2189168"/>
+            <a:ext cx="344905" cy="451782"/>
+          </a:xfrm>
+          <a:prstGeom prst="line">
+            <a:avLst/>
+          </a:prstGeom>
+          <a:ln w="28575"/>
+        </p:spPr>
+        <p:style>
+          <a:lnRef idx="1">
+            <a:schemeClr val="dk1"/>
+          </a:lnRef>
+          <a:fillRef idx="0">
+            <a:schemeClr val="dk1"/>
+          </a:fillRef>
+          <a:effectRef idx="0">
+            <a:schemeClr val="dk1"/>
+          </a:effectRef>
+          <a:fontRef idx="minor">
+            <a:schemeClr val="tx1"/>
+          </a:fontRef>
+        </p:style>
+      </p:cxnSp>
+      <p:cxnSp>
+        <p:nvCxnSpPr>
+          <p:cNvPr id="97" name="Egyenes összekötő 96">
+            <a:extLst>
+              <a:ext uri="{FF2B5EF4-FFF2-40B4-BE49-F238E27FC236}">
+                <a16:creationId xmlns:a16="http://schemas.microsoft.com/office/drawing/2014/main" id="{552A0DAA-ED65-4145-9391-0F404ADE50EF}"/>
+              </a:ext>
+            </a:extLst>
+          </p:cNvPr>
+          <p:cNvCxnSpPr>
+            <a:cxnSpLocks/>
+            <a:stCxn id="33" idx="2"/>
+            <a:endCxn id="3" idx="3"/>
+          </p:cNvCxnSpPr>
+          <p:nvPr/>
+        </p:nvCxnSpPr>
+        <p:spPr>
+          <a:xfrm flipH="1" flipV="1">
+            <a:off x="1840682" y="472572"/>
+            <a:ext cx="542109" cy="3100"/>
+          </a:xfrm>
+          <a:prstGeom prst="line">
+            <a:avLst/>
+          </a:prstGeom>
+          <a:ln w="28575"/>
+        </p:spPr>
+        <p:style>
+          <a:lnRef idx="1">
+            <a:schemeClr val="dk1"/>
+          </a:lnRef>
+          <a:fillRef idx="0">
+            <a:schemeClr val="dk1"/>
+          </a:fillRef>
+          <a:effectRef idx="0">
+            <a:schemeClr val="dk1"/>
+          </a:effectRef>
+          <a:fontRef idx="minor">
+            <a:schemeClr val="tx1"/>
+          </a:fontRef>
+        </p:style>
+      </p:cxnSp>
+      <p:sp>
+        <p:nvSpPr>
+          <p:cNvPr id="103" name="Ellipszis 102">
+            <a:extLst>
+              <a:ext uri="{FF2B5EF4-FFF2-40B4-BE49-F238E27FC236}">
+                <a16:creationId xmlns:a16="http://schemas.microsoft.com/office/drawing/2014/main" id="{5D929B12-5D11-4441-A983-BB58F490764F}"/>
+              </a:ext>
+            </a:extLst>
+          </p:cNvPr>
+          <p:cNvSpPr/>
+          <p:nvPr/>
+        </p:nvSpPr>
+        <p:spPr>
+          <a:xfrm>
+            <a:off x="2336798" y="4549768"/>
+            <a:ext cx="1788617" cy="804178"/>
+          </a:xfrm>
+          <a:prstGeom prst="ellipse">
+            <a:avLst/>
+          </a:prstGeom>
+          <a:ln w="19050">
+            <a:solidFill>
+              <a:schemeClr val="tx1"/>
+            </a:solidFill>
+          </a:ln>
+        </p:spPr>
+        <p:style>
+          <a:lnRef idx="2">
+            <a:schemeClr val="accent6"/>
+          </a:lnRef>
+          <a:fillRef idx="1">
+            <a:schemeClr val="lt1"/>
+          </a:fillRef>
+          <a:effectRef idx="0">
+            <a:schemeClr val="accent6"/>
+          </a:effectRef>
+          <a:fontRef idx="minor">
+            <a:schemeClr val="dk1"/>
+          </a:fontRef>
+        </p:style>
+        <p:txBody>
+          <a:bodyPr rtlCol="0" anchor="ctr"/>
+          <a:lstStyle/>
+          <a:p>
+            <a:pPr algn="ctr"/>
+            <a:r>
+              <a:rPr lang="hu-HU" dirty="0"/>
+              <a:t>description</a:t>
+            </a:r>
+          </a:p>
+          <a:p>
+            <a:pPr algn="ctr"/>
+            <a:endParaRPr lang="hu-HU" dirty="0">
+              <a:noFill/>
+            </a:endParaRPr>
+          </a:p>
+        </p:txBody>
+      </p:sp>
+      <p:cxnSp>
+        <p:nvCxnSpPr>
+          <p:cNvPr id="104" name="Egyenes összekötő 103">
+            <a:extLst>
+              <a:ext uri="{FF2B5EF4-FFF2-40B4-BE49-F238E27FC236}">
+                <a16:creationId xmlns:a16="http://schemas.microsoft.com/office/drawing/2014/main" id="{FE814D27-0B83-4EC2-A201-058510052FB1}"/>
+              </a:ext>
+            </a:extLst>
+          </p:cNvPr>
+          <p:cNvCxnSpPr>
+            <a:cxnSpLocks/>
+            <a:stCxn id="103" idx="7"/>
+            <a:endCxn id="7" idx="2"/>
+          </p:cNvCxnSpPr>
+          <p:nvPr/>
+        </p:nvCxnSpPr>
+        <p:spPr>
+          <a:xfrm flipV="1">
+            <a:off x="3863478" y="3617051"/>
+            <a:ext cx="1828452" cy="1050486"/>
+          </a:xfrm>
+          <a:prstGeom prst="line">
+            <a:avLst/>
+          </a:prstGeom>
+          <a:ln w="28575"/>
+        </p:spPr>
+        <p:style>
+          <a:lnRef idx="1">
+            <a:schemeClr val="dk1"/>
+          </a:lnRef>
+          <a:fillRef idx="0">
+            <a:schemeClr val="dk1"/>
+          </a:fillRef>
+          <a:effectRef idx="0">
+            <a:schemeClr val="dk1"/>
+          </a:effectRef>
+          <a:fontRef idx="minor">
+            <a:schemeClr val="tx1"/>
+          </a:fontRef>
+        </p:style>
+      </p:cxnSp>
+      <p:sp>
+        <p:nvSpPr>
+          <p:cNvPr id="113" name="Ellipszis 112">
+            <a:extLst>
+              <a:ext uri="{FF2B5EF4-FFF2-40B4-BE49-F238E27FC236}">
+                <a16:creationId xmlns:a16="http://schemas.microsoft.com/office/drawing/2014/main" id="{C6ACA4AF-AA8D-4BD7-B91B-1B365D01084B}"/>
+              </a:ext>
+            </a:extLst>
+          </p:cNvPr>
+          <p:cNvSpPr/>
+          <p:nvPr/>
+        </p:nvSpPr>
+        <p:spPr>
+          <a:xfrm>
+            <a:off x="8174918" y="6078248"/>
+            <a:ext cx="996803" cy="537095"/>
+          </a:xfrm>
+          <a:prstGeom prst="ellipse">
+            <a:avLst/>
+          </a:prstGeom>
+          <a:ln w="19050">
+            <a:solidFill>
+              <a:schemeClr val="tx1"/>
+            </a:solidFill>
+          </a:ln>
+        </p:spPr>
+        <p:style>
+          <a:lnRef idx="2">
+            <a:schemeClr val="accent6"/>
+          </a:lnRef>
+          <a:fillRef idx="1">
+            <a:schemeClr val="lt1"/>
+          </a:fillRef>
+          <a:effectRef idx="0">
+            <a:schemeClr val="accent6"/>
+          </a:effectRef>
+          <a:fontRef idx="minor">
+            <a:schemeClr val="dk1"/>
+          </a:fontRef>
+        </p:style>
+        <p:txBody>
+          <a:bodyPr rtlCol="0" anchor="ctr"/>
+          <a:lstStyle/>
+          <a:p>
+            <a:pPr algn="ctr"/>
+            <a:r>
+              <a:rPr lang="hu-HU" dirty="0"/>
+              <a:t>city</a:t>
+            </a:r>
+          </a:p>
+          <a:p>
+            <a:pPr algn="ctr"/>
+            <a:endParaRPr lang="hu-HU" dirty="0">
+              <a:noFill/>
+            </a:endParaRPr>
+          </a:p>
+        </p:txBody>
+      </p:sp>
+      <p:sp>
+        <p:nvSpPr>
+          <p:cNvPr id="114" name="Ellipszis 113">
+            <a:extLst>
+              <a:ext uri="{FF2B5EF4-FFF2-40B4-BE49-F238E27FC236}">
+                <a16:creationId xmlns:a16="http://schemas.microsoft.com/office/drawing/2014/main" id="{E6C4B807-1CA0-417F-A992-3EBDA550BE1A}"/>
+              </a:ext>
+            </a:extLst>
+          </p:cNvPr>
+          <p:cNvSpPr/>
+          <p:nvPr/>
+        </p:nvSpPr>
+        <p:spPr>
+          <a:xfrm>
+            <a:off x="9331347" y="6099749"/>
+            <a:ext cx="1131757" cy="537095"/>
+          </a:xfrm>
+          <a:prstGeom prst="ellipse">
+            <a:avLst/>
+          </a:prstGeom>
+          <a:ln w="19050">
+            <a:solidFill>
+              <a:schemeClr val="tx1"/>
+            </a:solidFill>
+          </a:ln>
+        </p:spPr>
+        <p:style>
+          <a:lnRef idx="2">
+            <a:schemeClr val="accent6"/>
+          </a:lnRef>
+          <a:fillRef idx="1">
+            <a:schemeClr val="lt1"/>
+          </a:fillRef>
+          <a:effectRef idx="0">
+            <a:schemeClr val="accent6"/>
+          </a:effectRef>
+          <a:fontRef idx="minor">
+            <a:schemeClr val="dk1"/>
+          </a:fontRef>
+        </p:style>
+        <p:txBody>
+          <a:bodyPr rtlCol="0" anchor="ctr"/>
+          <a:lstStyle/>
+          <a:p>
+            <a:pPr algn="ctr"/>
+            <a:r>
+              <a:rPr lang="hu-HU" dirty="0"/>
+              <a:t>street</a:t>
+            </a:r>
+          </a:p>
+          <a:p>
+            <a:pPr algn="ctr"/>
+            <a:endParaRPr lang="hu-HU" dirty="0">
+              <a:noFill/>
+            </a:endParaRPr>
+          </a:p>
+        </p:txBody>
+      </p:sp>
+      <p:sp>
+        <p:nvSpPr>
+          <p:cNvPr id="115" name="Ellipszis 114">
+            <a:extLst>
+              <a:ext uri="{FF2B5EF4-FFF2-40B4-BE49-F238E27FC236}">
+                <a16:creationId xmlns:a16="http://schemas.microsoft.com/office/drawing/2014/main" id="{5B763940-0834-414C-9E2F-86E431AF91F5}"/>
+              </a:ext>
+            </a:extLst>
+          </p:cNvPr>
+          <p:cNvSpPr/>
+          <p:nvPr/>
+        </p:nvSpPr>
+        <p:spPr>
+          <a:xfrm>
+            <a:off x="7341091" y="5428733"/>
+            <a:ext cx="1778695" cy="537095"/>
+          </a:xfrm>
+          <a:prstGeom prst="ellipse">
+            <a:avLst/>
+          </a:prstGeom>
+          <a:ln w="19050">
+            <a:solidFill>
+              <a:schemeClr val="tx1"/>
+            </a:solidFill>
+          </a:ln>
+        </p:spPr>
+        <p:style>
+          <a:lnRef idx="2">
+            <a:schemeClr val="accent6"/>
+          </a:lnRef>
+          <a:fillRef idx="1">
+            <a:schemeClr val="lt1"/>
+          </a:fillRef>
+          <a:effectRef idx="0">
+            <a:schemeClr val="accent6"/>
+          </a:effectRef>
+          <a:fontRef idx="minor">
+            <a:schemeClr val="dk1"/>
+          </a:fontRef>
+        </p:style>
+        <p:txBody>
+          <a:bodyPr rtlCol="0" anchor="ctr"/>
+          <a:lstStyle/>
+          <a:p>
+            <a:pPr algn="ctr"/>
+            <a:r>
+              <a:rPr lang="hu-HU" dirty="0"/>
+              <a:t>postalcode</a:t>
+            </a:r>
+          </a:p>
+          <a:p>
+            <a:pPr algn="ctr"/>
+            <a:endParaRPr lang="hu-HU" dirty="0">
+              <a:noFill/>
+            </a:endParaRPr>
+          </a:p>
+        </p:txBody>
+      </p:sp>
+      <p:cxnSp>
+        <p:nvCxnSpPr>
+          <p:cNvPr id="117" name="Egyenes összekötő 116">
+            <a:extLst>
+              <a:ext uri="{FF2B5EF4-FFF2-40B4-BE49-F238E27FC236}">
+                <a16:creationId xmlns:a16="http://schemas.microsoft.com/office/drawing/2014/main" id="{C5D561E8-BC3F-4903-99E7-5302858BEE98}"/>
+              </a:ext>
+            </a:extLst>
+          </p:cNvPr>
+          <p:cNvCxnSpPr>
+            <a:cxnSpLocks/>
+            <a:stCxn id="114" idx="0"/>
+            <a:endCxn id="31" idx="4"/>
+          </p:cNvCxnSpPr>
+          <p:nvPr/>
+        </p:nvCxnSpPr>
+        <p:spPr>
+          <a:xfrm flipH="1" flipV="1">
+            <a:off x="9769693" y="5539142"/>
+            <a:ext cx="127533" cy="560607"/>
+          </a:xfrm>
+          <a:prstGeom prst="line">
+            <a:avLst/>
+          </a:prstGeom>
+          <a:ln w="28575"/>
+        </p:spPr>
+        <p:style>
+          <a:lnRef idx="1">
+            <a:schemeClr val="dk1"/>
+          </a:lnRef>
+          <a:fillRef idx="0">
+            <a:schemeClr val="dk1"/>
+          </a:fillRef>
+          <a:effectRef idx="0">
+            <a:schemeClr val="dk1"/>
+          </a:effectRef>
+          <a:fontRef idx="minor">
+            <a:schemeClr val="tx1"/>
+          </a:fontRef>
+        </p:style>
+      </p:cxnSp>
+      <p:cxnSp>
+        <p:nvCxnSpPr>
+          <p:cNvPr id="120" name="Egyenes összekötő 119">
+            <a:extLst>
+              <a:ext uri="{FF2B5EF4-FFF2-40B4-BE49-F238E27FC236}">
+                <a16:creationId xmlns:a16="http://schemas.microsoft.com/office/drawing/2014/main" id="{3DF0B670-7119-4DA5-B5B0-63B7515CB91E}"/>
+              </a:ext>
+            </a:extLst>
+          </p:cNvPr>
+          <p:cNvCxnSpPr>
+            <a:cxnSpLocks/>
+            <a:stCxn id="113" idx="7"/>
+            <a:endCxn id="31" idx="3"/>
+          </p:cNvCxnSpPr>
+          <p:nvPr/>
+        </p:nvCxnSpPr>
+        <p:spPr>
+          <a:xfrm flipV="1">
+            <a:off x="9025743" y="5462431"/>
+            <a:ext cx="284396" cy="694473"/>
+          </a:xfrm>
+          <a:prstGeom prst="line">
+            <a:avLst/>
+          </a:prstGeom>
+          <a:ln w="28575"/>
+        </p:spPr>
+        <p:style>
+          <a:lnRef idx="1">
+            <a:schemeClr val="dk1"/>
+          </a:lnRef>
+          <a:fillRef idx="0">
+            <a:schemeClr val="dk1"/>
+          </a:fillRef>
+          <a:effectRef idx="0">
+            <a:schemeClr val="dk1"/>
+          </a:effectRef>
+          <a:fontRef idx="minor">
+            <a:schemeClr val="tx1"/>
+          </a:fontRef>
+        </p:style>
+      </p:cxnSp>
+      <p:cxnSp>
+        <p:nvCxnSpPr>
+          <p:cNvPr id="123" name="Egyenes összekötő 122">
+            <a:extLst>
+              <a:ext uri="{FF2B5EF4-FFF2-40B4-BE49-F238E27FC236}">
+                <a16:creationId xmlns:a16="http://schemas.microsoft.com/office/drawing/2014/main" id="{100ED54D-1E0A-491D-A2F3-4D1F0E1A2138}"/>
+              </a:ext>
+            </a:extLst>
+          </p:cNvPr>
+          <p:cNvCxnSpPr>
+            <a:cxnSpLocks/>
+            <a:stCxn id="115" idx="7"/>
+            <a:endCxn id="31" idx="2"/>
+          </p:cNvCxnSpPr>
+          <p:nvPr/>
+        </p:nvCxnSpPr>
+        <p:spPr>
+          <a:xfrm flipV="1">
+            <a:off x="8859302" y="5277236"/>
+            <a:ext cx="260484" cy="230153"/>
+          </a:xfrm>
+          <a:prstGeom prst="line">
+            <a:avLst/>
+          </a:prstGeom>
+          <a:ln w="28575"/>
+        </p:spPr>
+        <p:style>
+          <a:lnRef idx="1">
+            <a:schemeClr val="dk1"/>
+          </a:lnRef>
+          <a:fillRef idx="0">
+            <a:schemeClr val="dk1"/>
+          </a:fillRef>
+          <a:effectRef idx="0">
+            <a:schemeClr val="dk1"/>
+          </a:effectRef>
+          <a:fontRef idx="minor">
+            <a:schemeClr val="tx1"/>
+          </a:fontRef>
+        </p:style>
+      </p:cxnSp>
+      <p:sp>
+        <p:nvSpPr>
+          <p:cNvPr id="126" name="Ellipszis 125">
+            <a:extLst>
+              <a:ext uri="{FF2B5EF4-FFF2-40B4-BE49-F238E27FC236}">
+                <a16:creationId xmlns:a16="http://schemas.microsoft.com/office/drawing/2014/main" id="{8FB9461C-D695-4230-AAFF-6B3C13DA85C0}"/>
+              </a:ext>
+            </a:extLst>
+          </p:cNvPr>
+          <p:cNvSpPr/>
+          <p:nvPr/>
+        </p:nvSpPr>
+        <p:spPr>
+          <a:xfrm>
+            <a:off x="6939123" y="1878774"/>
+            <a:ext cx="2147580" cy="701650"/>
+          </a:xfrm>
+          <a:prstGeom prst="ellipse">
+            <a:avLst/>
+          </a:prstGeom>
+          <a:ln w="19050">
+            <a:solidFill>
+              <a:schemeClr val="tx1"/>
+            </a:solidFill>
+          </a:ln>
+        </p:spPr>
+        <p:style>
+          <a:lnRef idx="2">
+            <a:schemeClr val="accent6"/>
+          </a:lnRef>
+          <a:fillRef idx="1">
+            <a:schemeClr val="lt1"/>
+          </a:fillRef>
+          <a:effectRef idx="0">
+            <a:schemeClr val="accent6"/>
+          </a:effectRef>
+          <a:fontRef idx="minor">
+            <a:schemeClr val="dk1"/>
+          </a:fontRef>
+        </p:style>
+        <p:txBody>
+          <a:bodyPr rtlCol="0" anchor="ctr"/>
+          <a:lstStyle/>
+          <a:p>
+            <a:pPr algn="ctr"/>
+            <a:r>
+              <a:rPr lang="hu-HU" dirty="0"/>
+              <a:t>dateOfUpload</a:t>
+            </a:r>
+          </a:p>
+          <a:p>
+            <a:pPr algn="ctr"/>
+            <a:endParaRPr lang="hu-HU" dirty="0">
+              <a:noFill/>
+            </a:endParaRPr>
+          </a:p>
+        </p:txBody>
+      </p:sp>
+      <p:cxnSp>
+        <p:nvCxnSpPr>
+          <p:cNvPr id="127" name="Egyenes összekötő 126">
+            <a:extLst>
+              <a:ext uri="{FF2B5EF4-FFF2-40B4-BE49-F238E27FC236}">
+                <a16:creationId xmlns:a16="http://schemas.microsoft.com/office/drawing/2014/main" id="{980AB8D4-E159-4FC9-A8C0-524286D054F0}"/>
+              </a:ext>
+            </a:extLst>
+          </p:cNvPr>
+          <p:cNvCxnSpPr>
+            <a:cxnSpLocks/>
+            <a:stCxn id="126" idx="4"/>
+            <a:endCxn id="10" idx="0"/>
+          </p:cNvCxnSpPr>
+          <p:nvPr/>
+        </p:nvCxnSpPr>
+        <p:spPr>
+          <a:xfrm>
+            <a:off x="8012913" y="2580424"/>
+            <a:ext cx="560635" cy="276725"/>
+          </a:xfrm>
+          <a:prstGeom prst="line">
+            <a:avLst/>
+          </a:prstGeom>
+          <a:ln w="28575"/>
+        </p:spPr>
+        <p:style>
+          <a:lnRef idx="1">
+            <a:schemeClr val="dk1"/>
+          </a:lnRef>
+          <a:fillRef idx="0">
+            <a:schemeClr val="dk1"/>
+          </a:fillRef>
+          <a:effectRef idx="0">
+            <a:schemeClr val="dk1"/>
+          </a:effectRef>
+          <a:fontRef idx="minor">
+            <a:schemeClr val="tx1"/>
+          </a:fontRef>
+        </p:style>
+      </p:cxnSp>
     </p:spTree>
     <p:extLst>
       <p:ext uri="{BB962C8B-B14F-4D97-AF65-F5344CB8AC3E}">

--- a/Bemutató1.pptx
+++ b/Bemutató1.pptx
@@ -6039,6 +6039,216 @@
           </a:fontRef>
         </p:style>
       </p:cxnSp>
+      <p:sp>
+        <p:nvSpPr>
+          <p:cNvPr id="2" name="Szövegdoboz 1">
+            <a:extLst>
+              <a:ext uri="{FF2B5EF4-FFF2-40B4-BE49-F238E27FC236}">
+                <a16:creationId xmlns:a16="http://schemas.microsoft.com/office/drawing/2014/main" id="{90518B40-068E-4EB2-930F-0C04E64EEE23}"/>
+              </a:ext>
+            </a:extLst>
+          </p:cNvPr>
+          <p:cNvSpPr txBox="1"/>
+          <p:nvPr/>
+        </p:nvSpPr>
+        <p:spPr>
+          <a:xfrm>
+            <a:off x="6753248" y="3000017"/>
+            <a:ext cx="333746" cy="369332"/>
+          </a:xfrm>
+          <a:prstGeom prst="rect">
+            <a:avLst/>
+          </a:prstGeom>
+          <a:noFill/>
+        </p:spPr>
+        <p:txBody>
+          <a:bodyPr wrap="none" rtlCol="0">
+            <a:spAutoFit/>
+          </a:bodyPr>
+          <a:lstStyle/>
+          <a:p>
+            <a:r>
+              <a:rPr lang="hu-HU" dirty="0"/>
+              <a:t>N</a:t>
+            </a:r>
+          </a:p>
+        </p:txBody>
+      </p:sp>
+      <p:sp>
+        <p:nvSpPr>
+          <p:cNvPr id="56" name="Szövegdoboz 55">
+            <a:extLst>
+              <a:ext uri="{FF2B5EF4-FFF2-40B4-BE49-F238E27FC236}">
+                <a16:creationId xmlns:a16="http://schemas.microsoft.com/office/drawing/2014/main" id="{0F36FA1B-9A7C-4C5D-B3D3-C41AF8817C17}"/>
+              </a:ext>
+            </a:extLst>
+          </p:cNvPr>
+          <p:cNvSpPr txBox="1"/>
+          <p:nvPr/>
+        </p:nvSpPr>
+        <p:spPr>
+          <a:xfrm>
+            <a:off x="10033122" y="3000017"/>
+            <a:ext cx="301686" cy="369332"/>
+          </a:xfrm>
+          <a:prstGeom prst="rect">
+            <a:avLst/>
+          </a:prstGeom>
+          <a:noFill/>
+        </p:spPr>
+        <p:txBody>
+          <a:bodyPr wrap="none" rtlCol="0">
+            <a:spAutoFit/>
+          </a:bodyPr>
+          <a:lstStyle/>
+          <a:p>
+            <a:r>
+              <a:rPr lang="hu-HU" dirty="0"/>
+              <a:t>1</a:t>
+            </a:r>
+          </a:p>
+        </p:txBody>
+      </p:sp>
+      <p:sp>
+        <p:nvSpPr>
+          <p:cNvPr id="57" name="Szövegdoboz 56">
+            <a:extLst>
+              <a:ext uri="{FF2B5EF4-FFF2-40B4-BE49-F238E27FC236}">
+                <a16:creationId xmlns:a16="http://schemas.microsoft.com/office/drawing/2014/main" id="{9D426C1A-DDCA-423E-8480-2AF6D72DC17E}"/>
+              </a:ext>
+            </a:extLst>
+          </p:cNvPr>
+          <p:cNvSpPr txBox="1"/>
+          <p:nvPr/>
+        </p:nvSpPr>
+        <p:spPr>
+          <a:xfrm>
+            <a:off x="4259199" y="1570742"/>
+            <a:ext cx="301686" cy="369332"/>
+          </a:xfrm>
+          <a:prstGeom prst="rect">
+            <a:avLst/>
+          </a:prstGeom>
+          <a:noFill/>
+        </p:spPr>
+        <p:txBody>
+          <a:bodyPr wrap="none" rtlCol="0">
+            <a:spAutoFit/>
+          </a:bodyPr>
+          <a:lstStyle/>
+          <a:p>
+            <a:r>
+              <a:rPr lang="hu-HU" dirty="0"/>
+              <a:t>1</a:t>
+            </a:r>
+          </a:p>
+        </p:txBody>
+      </p:sp>
+      <p:sp>
+        <p:nvSpPr>
+          <p:cNvPr id="58" name="Szövegdoboz 57">
+            <a:extLst>
+              <a:ext uri="{FF2B5EF4-FFF2-40B4-BE49-F238E27FC236}">
+                <a16:creationId xmlns:a16="http://schemas.microsoft.com/office/drawing/2014/main" id="{A407CEC2-FD2C-4ADF-8FE0-7AE339B7C6DC}"/>
+              </a:ext>
+            </a:extLst>
+          </p:cNvPr>
+          <p:cNvSpPr txBox="1"/>
+          <p:nvPr/>
+        </p:nvSpPr>
+        <p:spPr>
+          <a:xfrm>
+            <a:off x="1144396" y="859674"/>
+            <a:ext cx="301686" cy="369332"/>
+          </a:xfrm>
+          <a:prstGeom prst="rect">
+            <a:avLst/>
+          </a:prstGeom>
+          <a:noFill/>
+        </p:spPr>
+        <p:txBody>
+          <a:bodyPr wrap="none" rtlCol="0">
+            <a:spAutoFit/>
+          </a:bodyPr>
+          <a:lstStyle/>
+          <a:p>
+            <a:r>
+              <a:rPr lang="hu-HU" dirty="0"/>
+              <a:t>1</a:t>
+            </a:r>
+          </a:p>
+        </p:txBody>
+      </p:sp>
+      <p:sp>
+        <p:nvSpPr>
+          <p:cNvPr id="59" name="Szövegdoboz 58">
+            <a:extLst>
+              <a:ext uri="{FF2B5EF4-FFF2-40B4-BE49-F238E27FC236}">
+                <a16:creationId xmlns:a16="http://schemas.microsoft.com/office/drawing/2014/main" id="{540E5EC6-2A5A-4906-BF9D-01C17C774888}"/>
+              </a:ext>
+            </a:extLst>
+          </p:cNvPr>
+          <p:cNvSpPr txBox="1"/>
+          <p:nvPr/>
+        </p:nvSpPr>
+        <p:spPr>
+          <a:xfrm>
+            <a:off x="5666924" y="2434627"/>
+            <a:ext cx="333746" cy="369332"/>
+          </a:xfrm>
+          <a:prstGeom prst="rect">
+            <a:avLst/>
+          </a:prstGeom>
+          <a:noFill/>
+        </p:spPr>
+        <p:txBody>
+          <a:bodyPr wrap="none" rtlCol="0">
+            <a:spAutoFit/>
+          </a:bodyPr>
+          <a:lstStyle/>
+          <a:p>
+            <a:r>
+              <a:rPr lang="hu-HU" dirty="0"/>
+              <a:t>N</a:t>
+            </a:r>
+          </a:p>
+        </p:txBody>
+      </p:sp>
+      <p:sp>
+        <p:nvSpPr>
+          <p:cNvPr id="60" name="Szövegdoboz 59">
+            <a:extLst>
+              <a:ext uri="{FF2B5EF4-FFF2-40B4-BE49-F238E27FC236}">
+                <a16:creationId xmlns:a16="http://schemas.microsoft.com/office/drawing/2014/main" id="{A85C2528-F394-4894-A7F8-E87DBE3D4E72}"/>
+              </a:ext>
+            </a:extLst>
+          </p:cNvPr>
+          <p:cNvSpPr txBox="1"/>
+          <p:nvPr/>
+        </p:nvSpPr>
+        <p:spPr>
+          <a:xfrm>
+            <a:off x="2314839" y="1541945"/>
+            <a:ext cx="333746" cy="369332"/>
+          </a:xfrm>
+          <a:prstGeom prst="rect">
+            <a:avLst/>
+          </a:prstGeom>
+          <a:noFill/>
+        </p:spPr>
+        <p:txBody>
+          <a:bodyPr wrap="none" rtlCol="0">
+            <a:spAutoFit/>
+          </a:bodyPr>
+          <a:lstStyle/>
+          <a:p>
+            <a:r>
+              <a:rPr lang="hu-HU" dirty="0"/>
+              <a:t>N</a:t>
+            </a:r>
+          </a:p>
+        </p:txBody>
+      </p:sp>
     </p:spTree>
     <p:extLst>
       <p:ext uri="{BB962C8B-B14F-4D97-AF65-F5344CB8AC3E}">
